--- a/CS4273 - Introduce to Software Engineering/Lab 2. Analysis.pptx
+++ b/CS4273 - Introduce to Software Engineering/Lab 2. Analysis.pptx
@@ -4,6 +4,9 @@
   <p:sldMasterIdLst>
     <p:sldMasterId id="2147483648" r:id="rId1"/>
   </p:sldMasterIdLst>
+  <p:notesMasterIdLst>
+    <p:notesMasterId r:id="rId33"/>
+  </p:notesMasterIdLst>
   <p:sldIdLst>
     <p:sldId id="256" r:id="rId2"/>
     <p:sldId id="263" r:id="rId3"/>
@@ -148,148 +151,6 @@
     <inkml:context xml:id="ctx0">
       <inkml:inkSource xml:id="inkSrc0">
         <inkml:traceFormat>
-          <inkml:channel name="X" type="integer" min="-2.14748E9" max="2.14748E9" units="cm"/>
-          <inkml:channel name="Y" type="integer" min="-2.14748E9" max="2.14748E9" units="cm"/>
-          <inkml:channel name="F" type="integer" max="32767" units="dev"/>
-        </inkml:traceFormat>
-        <inkml:channelProperties>
-          <inkml:channelProperty channel="X" name="resolution" value="1000" units="1/cm"/>
-          <inkml:channelProperty channel="Y" name="resolution" value="1000" units="1/cm"/>
-          <inkml:channelProperty channel="F" name="resolution" value="0" units="1/dev"/>
-        </inkml:channelProperties>
-      </inkml:inkSource>
-      <inkml:timestamp xml:id="ts0" timeString="2021-10-04T04:19:58.996"/>
-    </inkml:context>
-    <inkml:brush xml:id="br0">
-      <inkml:brushProperty name="width" value="0.1" units="cm"/>
-      <inkml:brushProperty name="height" value="0.1" units="cm"/>
-      <inkml:brushProperty name="color" value="#333333"/>
-    </inkml:brush>
-  </inkml:definitions>
-  <inkml:trace contextRef="#ctx0" brushRef="#br0">3 1556 24575,'19'21'0,"34"45"0,-36-42 0,35 38 0,-27-37 0,2-1 0,0-1 0,1-1 0,1-1 0,58 30 0,137 45 0,-184-82 0,-1-3 0,2-1 0,78 9 0,365-12 0,-272-10 0,663 3 0,-864 0 0,0-1 0,0 0 0,0-1 0,0 0 0,0-1 0,-1 0 0,1-1 0,16-7 0,-1-4 0,44-31 0,-42 25 0,40-20 0,-41 25 0,-1-1 0,0-1 0,38-34 0,65-74 0,-85 81 0,-32 31 0,-1 0 0,0-1 0,-1 0 0,-1 0 0,0-1 0,-1-1 0,-1 1 0,10-34 0,-10 24 0,0-1 0,-2 0 0,-2 0 0,0 0 0,-1-33 0,-3 43 0,-1 1 0,-1-1 0,0 1 0,-1 0 0,-1 0 0,0 0 0,-1 1 0,-1 0 0,-13-22 0,-8-6 0,-57-68 0,22 32 0,33 43 0,-1 1 0,-2 2 0,-48-38 0,-1-1 0,54 42 0,0-1 0,-43-66 0,9 10 0,30 48 0,-1 1 0,-45-40 0,44 46 0,9 9 0,-45-33 0,60 49 0,0 1 0,-1 0 0,0 1 0,0 0 0,-1 0 0,1 2 0,-1-1 0,-15-1 0,-125-6 0,15 3 0,-58-8 0,-246 11 0,246 6 0,177-1 0,0 0 0,0 2 0,0 0 0,0 1 0,0 0 0,1 2 0,-1 0 0,1 1 0,0 0 0,1 2 0,0 0 0,0 1 0,0 0 0,1 1 0,1 1 0,-20 19 0,-141 151 0,118-118 0,25-27 0,1 2 0,2 1 0,1 1 0,3 2 0,1 0 0,2 2 0,-23 65 0,33-79 0,-2 0 0,-25 39 0,22-39 0,1 0 0,-17 42 0,20-31-341,1 0 0,2 0-1,-8 85 1,15-87-6485</inkml:trace>
-</inkml:ink>
-</file>
-
-<file path=ppt/ink/ink2.xml><?xml version="1.0" encoding="utf-8"?>
-<inkml:ink xmlns:inkml="http://www.w3.org/2003/InkML">
-  <inkml:definitions>
-    <inkml:context xml:id="ctx0">
-      <inkml:inkSource xml:id="inkSrc0">
-        <inkml:traceFormat>
-          <inkml:channel name="X" type="integer" min="-2.14748E9" max="2.14748E9" units="cm"/>
-          <inkml:channel name="Y" type="integer" min="-2.14748E9" max="2.14748E9" units="cm"/>
-          <inkml:channel name="F" type="integer" max="32767" units="dev"/>
-        </inkml:traceFormat>
-        <inkml:channelProperties>
-          <inkml:channelProperty channel="X" name="resolution" value="1000" units="1/cm"/>
-          <inkml:channelProperty channel="Y" name="resolution" value="1000" units="1/cm"/>
-          <inkml:channelProperty channel="F" name="resolution" value="0" units="1/dev"/>
-        </inkml:channelProperties>
-      </inkml:inkSource>
-      <inkml:timestamp xml:id="ts0" timeString="2021-10-04T04:20:02.172"/>
-    </inkml:context>
-    <inkml:brush xml:id="br0">
-      <inkml:brushProperty name="width" value="0.1" units="cm"/>
-      <inkml:brushProperty name="height" value="0.1" units="cm"/>
-      <inkml:brushProperty name="color" value="#333333"/>
-    </inkml:brush>
-  </inkml:definitions>
-  <inkml:trace contextRef="#ctx0" brushRef="#br0">3072 674 24575,'-3'-1'0,"0"0"0,0 0 0,0 0 0,0 0 0,0 0 0,0-1 0,0 1 0,1-1 0,-1 0 0,0 0 0,1 0 0,0 0 0,-1 0 0,-1-3 0,-30-36 0,-65-123 0,74 125 0,-38-47 0,49 70 0,0 1 0,-1 1 0,0 1 0,-2 0 0,-24-15 0,6 5 0,-2 2 0,0 2 0,-1 1 0,0 2 0,-2 1 0,0 3 0,-67-13 0,-235-8 0,104 15 0,-22 1 0,138 15 0,-202 6 0,305-2 0,1 1 0,0 1 0,0 1 0,0 0 0,1 1 0,-1 1 0,2 1 0,-28 16 0,-11 12 0,-56 48 0,29-20 0,3 0 0,3 3 0,-96 111 0,36-35 0,123-129 0,0 0 0,1 1 0,1 0 0,0 1 0,1 0 0,1 1 0,0 0 0,1 0 0,1 1 0,1 0 0,1 0 0,-4 21 0,2 16 0,2 1 0,4 100 0,1-144 0,1 12 0,2 1 0,0-1 0,2 0 0,1 0 0,1 0 0,0-1 0,2 0 0,20 36 0,11 11 0,64 83 0,-60-91 0,-22-34 0,2-2 0,0 0 0,37 29 0,-4-4 0,-15-14 0,1-2 0,2-2 0,1-2 0,61 30 0,-44-25 0,-25-13 0,2-2 0,41 17 0,-57-29 0,-1-1 0,1 0 0,1-2 0,-1-1 0,1-1 0,48 2 0,1057-9 0,-1107 3 0,1-2 0,0-1 0,-1 0 0,0-2 0,26-9 0,3-4 0,53-28 0,-42 18 0,-38 18 0,-1-1 0,-1 0 0,1-2 0,-2-1 0,28-21 0,-33 20 0,0 0 0,0-1 0,-2-1 0,0 0 0,-1-1 0,0 0 0,-2-1 0,0-1 0,-1 0 0,9-25 0,-6 4 0,-1-1 0,-2-1 0,8-72 0,-7 23 0,-2 20 0,1-82 0,-9 123 0,1 0 0,9-39 0,-5 34 0,3-48 0,-8-108-1365,-2 154-5461</inkml:trace>
-</inkml:ink>
-</file>
-
-<file path=ppt/ink/ink3.xml><?xml version="1.0" encoding="utf-8"?>
-<inkml:ink xmlns:inkml="http://www.w3.org/2003/InkML">
-  <inkml:definitions>
-    <inkml:context xml:id="ctx0">
-      <inkml:inkSource xml:id="inkSrc0">
-        <inkml:traceFormat>
-          <inkml:channel name="X" type="integer" min="-2.14748E9" max="2.14748E9" units="cm"/>
-          <inkml:channel name="Y" type="integer" min="-2.14748E9" max="2.14748E9" units="cm"/>
-          <inkml:channel name="F" type="integer" max="32767" units="dev"/>
-        </inkml:traceFormat>
-        <inkml:channelProperties>
-          <inkml:channelProperty channel="X" name="resolution" value="1000" units="1/cm"/>
-          <inkml:channelProperty channel="Y" name="resolution" value="1000" units="1/cm"/>
-          <inkml:channelProperty channel="F" name="resolution" value="0" units="1/dev"/>
-        </inkml:channelProperties>
-      </inkml:inkSource>
-      <inkml:timestamp xml:id="ts0" timeString="2021-10-04T04:20:24.964"/>
-    </inkml:context>
-    <inkml:brush xml:id="br0">
-      <inkml:brushProperty name="width" value="0.1" units="cm"/>
-      <inkml:brushProperty name="height" value="0.1" units="cm"/>
-      <inkml:brushProperty name="color" value="#333333"/>
-    </inkml:brush>
-  </inkml:definitions>
-  <inkml:trace contextRef="#ctx0" brushRef="#br0">2828 605 24575,'1'-60'0,"1"30"0,-2 1 0,-1 0 0,0-1 0,-3 1 0,0 0 0,-16-54 0,12 63 0,0 1 0,-1-1 0,-17-27 0,20 39 0,0 1 0,-1-1 0,1 1 0,-1 1 0,-1 0 0,1 0 0,-1 0 0,0 1 0,-1 0 0,-10-5 0,-25-7 0,0 3 0,-1 1 0,0 2 0,0 3 0,-55-4 0,4-2 0,-11 3 0,0 5 0,-121 8 0,64 1 0,1-6 0,-178 7 0,321-2 0,1 2 0,-1 0 0,1 1 0,-1 1 0,1 1 0,-35 17 0,-102 73 0,99-60 0,20-10 0,-44 40 0,-20 15 0,67-55 0,-57 58 0,28-25 0,9-5 0,3 1 0,-78 114 0,108-141 0,10-13 0,1 1 0,0 1 0,2 0 0,0 0 0,1 0 0,1 1 0,0 0 0,2 0 0,-5 37 0,5 9 0,6 108 0,1-63 0,-1-89 0,1-1 0,0 0 0,2 1 0,0-2 0,14 37 0,8 24 0,-19-52 0,2 0 0,0-1 0,2 0 0,1-1 0,2 0 0,22 30 0,-5-13 0,2-2 0,62 58 0,-9-14 0,95 83 0,-157-149 0,1 0 0,1-2 0,0 0 0,1-2 0,53 20 0,28 8 0,-79-29 0,0-1 0,1-1 0,1-2 0,0-2 0,50 8 0,65 0 0,98 5 0,351-22 0,-557 0 0,0-3 0,-1 0 0,1-3 0,-1-1 0,65-23 0,-55 13 0,0-3 0,-1-2 0,80-53 0,-98 56 0,-1-1 0,-1-2 0,-1-1 0,28-32 0,-44 45 0,0-2 0,-1 1 0,-1-1 0,0-1 0,0 1 0,-2-1 0,1-1 0,-2 1 0,0-1 0,-1 0 0,5-31 0,5-79 0,6-117 0,-3 35 0,0 12 0,-17-337 0,-1 241 0,2 259 0,11-57 0,-12 87 2,0 0 0,1 1 0,-1-1 0,0 0 0,0 0 0,0 0 0,0 0 0,0 0 0,-1 0 0,1 0 0,0 0 0,-1 1 0,0-1 0,1 0 0,-1 0 0,0 1 0,0-1 0,0 0 0,0 1 0,0-1 0,0 1 0,-1-1 0,1 1 0,0 0 0,-1-1 0,1 1 0,-1 0 0,1 0 0,-1 0 0,0 0 0,1 0 0,-1 0 0,0 1 0,0-1 0,0 1 0,1-1 0,-1 1 0,-2-1 0,-10 0-119,1-1 1,0 2 0,0 0 0,-21 3 0,12-2-746,-10 1-5964</inkml:trace>
-</inkml:ink>
-</file>
-
-<file path=ppt/ink/ink4.xml><?xml version="1.0" encoding="utf-8"?>
-<inkml:ink xmlns:inkml="http://www.w3.org/2003/InkML">
-  <inkml:definitions>
-    <inkml:context xml:id="ctx0">
-      <inkml:inkSource xml:id="inkSrc0">
-        <inkml:traceFormat>
-          <inkml:channel name="X" type="integer" min="-2.14748E9" max="2.14748E9" units="cm"/>
-          <inkml:channel name="Y" type="integer" min="-2.14748E9" max="2.14748E9" units="cm"/>
-          <inkml:channel name="F" type="integer" max="32767" units="dev"/>
-        </inkml:traceFormat>
-        <inkml:channelProperties>
-          <inkml:channelProperty channel="X" name="resolution" value="1000" units="1/cm"/>
-          <inkml:channelProperty channel="Y" name="resolution" value="1000" units="1/cm"/>
-          <inkml:channelProperty channel="F" name="resolution" value="0" units="1/dev"/>
-        </inkml:channelProperties>
-      </inkml:inkSource>
-      <inkml:timestamp xml:id="ts0" timeString="2021-10-04T04:29:20.229"/>
-    </inkml:context>
-    <inkml:brush xml:id="br0">
-      <inkml:brushProperty name="width" value="0.1" units="cm"/>
-      <inkml:brushProperty name="height" value="0.1" units="cm"/>
-      <inkml:brushProperty name="color" value="#333333"/>
-    </inkml:brush>
-  </inkml:definitions>
-  <inkml:trace contextRef="#ctx0" brushRef="#br0">29 1 24575,'-3'4'0,"0"0"0,0 0 0,0 0 0,1 1 0,-1-1 0,1 1 0,1 0 0,-1-1 0,0 1 0,1 0 0,0 0 0,1 0 0,-1 0 0,1 5 0,-1-3 0,1 0 0,0-1 0,0 1 0,1 0 0,0 0 0,0-1 0,1 1 0,0-1 0,5 13 0,-2-11 0,1 0 0,0 0 0,1-1 0,0 1 0,0-2 0,1 1 0,-1-1 0,1 0 0,18 10 0,10 3 0,42 16 0,-34-16 0,15 4 0,119 30 0,9 2 0,-151-42 0,1-3 0,0-1 0,0-1 0,42 2 0,152-1 0,33 3 0,46 31 0,-196-31 0,220-8 0,-190-7 0,3533 3-1365,-3627 0-5461</inkml:trace>
-</inkml:ink>
-</file>
-
-<file path=ppt/ink/ink5.xml><?xml version="1.0" encoding="utf-8"?>
-<inkml:ink xmlns:inkml="http://www.w3.org/2003/InkML">
-  <inkml:definitions>
-    <inkml:context xml:id="ctx0">
-      <inkml:inkSource xml:id="inkSrc0">
-        <inkml:traceFormat>
-          <inkml:channel name="X" type="integer" max="1360" units="cm"/>
-          <inkml:channel name="Y" type="integer" max="768" units="cm"/>
-          <inkml:channel name="T" type="integer" max="2.14748E9" units="dev"/>
-        </inkml:traceFormat>
-        <inkml:channelProperties>
-          <inkml:channelProperty channel="X" name="resolution" value="33.49754" units="1/cm"/>
-          <inkml:channelProperty channel="Y" name="resolution" value="33.53712" units="1/cm"/>
-          <inkml:channelProperty channel="T" name="resolution" value="1" units="1/dev"/>
-        </inkml:channelProperties>
-      </inkml:inkSource>
-      <inkml:timestamp xml:id="ts0" timeString="2021-10-25T07:32:45.638"/>
-    </inkml:context>
-    <inkml:brush xml:id="br0">
-      <inkml:brushProperty name="width" value="0.05292" units="cm"/>
-      <inkml:brushProperty name="height" value="0.05292" units="cm"/>
-      <inkml:brushProperty name="color" value="#FF0000"/>
-    </inkml:brush>
-  </inkml:definitions>
-  <inkml:trace contextRef="#ctx0" brushRef="#br0">18353 3761 0,'25'0'125,"0"0"-109,74 0-16,-74 0 15,25 0-15,25 0 16,-1 0-16,26 0 16,-1 0-16,1 0 15,25 0-15,-51 0 16,-24 0-16,50 0 16,24 0-16,-24 0 15,24 0-15,1 0 16,-1 0-16,1 0 15,-1 0-15,26 0 16,-26 0 0,-24 0-16,24 0 15,-24 0-15,0 0 16,-1 0-16,-24 0 0,-25 0 16,24 0-16,-24 0 15,-25 0 1,25 0-16,0 0 15,-25 0-15,0 0 16</inkml:trace>
-  <inkml:trace contextRef="#ctx0" brushRef="#br0" timeOffset="2300.07">19548 5504 0,'25'0'203,"25"-25"-203,-25 25 0,24 0 16,1 0-16,50 0 16,-25 0-16,-1 0 15,1 0 1,25 0-16,-1 0 16,1 0-16,-50 0 15,-1 0-15,51 0 16,25 0-16,-51 0 15,1 0-15,25 0 16,-26 0-16,-24 0 16,75 0-16,-51 0 15,1 25-15,25 0 16,-1-25-16,1 0 16,-25 0-16,-1 0 15,1 0-15,-25 25 16,0-25-16,24 0 15,-24 0 1,-25 24-16,0-24 16,0 0-16,0 0 15</inkml:trace>
-  <inkml:trace contextRef="#ctx0" brushRef="#br0" timeOffset="6305.88">19349 7521 0,'0'25'125,"25"-25"-78,49 0-32,-24 0-15,25 0 16,49 0-16,-74 0 15,25 0-15,25 0 16,-1 0-16,1 0 16,-50 0-16,74 0 15,-49 0-15,0 0 16,-26 0-16,51 0 16,-75 0-16,25 0 15,-25 0-15,24 0 16,-24 0-16,25 0 15,-25 0 1,0 0 0</inkml:trace>
-</inkml:ink>
-</file>
-
-<file path=ppt/ink/ink6.xml><?xml version="1.0" encoding="utf-8"?>
-<inkml:ink xmlns:inkml="http://www.w3.org/2003/InkML">
-  <inkml:definitions>
-    <inkml:context xml:id="ctx0">
-      <inkml:inkSource xml:id="inkSrc0">
-        <inkml:traceFormat>
           <inkml:channel name="X" type="integer" max="1360" units="cm"/>
           <inkml:channel name="Y" type="integer" max="768" units="cm"/>
           <inkml:channel name="T" type="integer" max="2.14748E9" units="dev"/>
@@ -313,7 +174,7 @@
 </inkml:ink>
 </file>
 
-<file path=ppt/ink/ink7.xml><?xml version="1.0" encoding="utf-8"?>
+<file path=ppt/ink/ink2.xml><?xml version="1.0" encoding="utf-8"?>
 <inkml:ink xmlns:inkml="http://www.w3.org/2003/InkML">
   <inkml:definitions>
     <inkml:context xml:id="ctx0">
@@ -342,6 +203,355 @@
   <inkml:trace contextRef="#ctx0" brushRef="#br0" timeOffset="2778.14">9836 7396 0,'25'0'47,"0"0"-31,0 0 0,0 0-1,25 0-15,24 0 16,1-25-1,-25 1-15,25-1 16,-50 25 15,24-25-15,1-25 0,-25 25-1,0 0 1,25 0-1,0-50 17,24 1-17,1-1-15,0 0 16,-1 26 0,51-51-1,-75 75 16,24 0-15,1-25 0,74-24-1,-49 24 1,-50 25 0,99-25-1,-24 25 1,-1 0-1,-24 0 1,49-24 0,26 49-1,-76-50 17,26 50-17,49-50-15,50 25 16,-99 0-1,-51 25 1,101-25 15,-51 0-15,1 25 0,-26 0-1,-24-24 1,0-1-1,-1 25 1,-24 0 15,-25-25-15,0 25 0,0 0 124,0 0-124,0 0-16,25 0 15,-1-50 1,-24 50 0,0 0 15</inkml:trace>
   <inkml:trace contextRef="#ctx0" brushRef="#br0" timeOffset="3781.52">13671 5753 0,'0'25'32,"0"24"-32,0 51 15,0 25 1,25-100-16,-25 74 16,25-74 15,-25 75-16,25-75 1,-25-1 0,0 1-1</inkml:trace>
 </inkml:ink>
+</file>
+
+<file path=ppt/notesMasters/notesMaster1.xml><?xml version="1.0" encoding="utf-8"?>
+<p:notesMaster xmlns:a="http://schemas.openxmlformats.org/drawingml/2006/main" xmlns:r="http://schemas.openxmlformats.org/officeDocument/2006/relationships" xmlns:p="http://schemas.openxmlformats.org/presentationml/2006/main">
+  <p:cSld>
+    <p:bg>
+      <p:bgRef idx="1001">
+        <a:schemeClr val="bg1"/>
+      </p:bgRef>
+    </p:bg>
+    <p:spTree>
+      <p:nvGrpSpPr>
+        <p:cNvPr id="1" name=""/>
+        <p:cNvGrpSpPr/>
+        <p:nvPr/>
+      </p:nvGrpSpPr>
+      <p:grpSpPr>
+        <a:xfrm>
+          <a:off x="0" y="0"/>
+          <a:ext cx="0" cy="0"/>
+          <a:chOff x="0" y="0"/>
+          <a:chExt cx="0" cy="0"/>
+        </a:xfrm>
+      </p:grpSpPr>
+      <p:sp>
+        <p:nvSpPr>
+          <p:cNvPr id="2" name="Chỗ dành sẵn cho Đầu trang 1"/>
+          <p:cNvSpPr>
+            <a:spLocks noGrp="1"/>
+          </p:cNvSpPr>
+          <p:nvPr>
+            <p:ph type="hdr" sz="quarter"/>
+          </p:nvPr>
+        </p:nvSpPr>
+        <p:spPr>
+          <a:xfrm>
+            <a:off x="0" y="0"/>
+            <a:ext cx="2971800" cy="458788"/>
+          </a:xfrm>
+          <a:prstGeom prst="rect">
+            <a:avLst/>
+          </a:prstGeom>
+        </p:spPr>
+        <p:txBody>
+          <a:bodyPr vert="horz" lIns="91440" tIns="45720" rIns="91440" bIns="45720" rtlCol="0"/>
+          <a:lstStyle>
+            <a:lvl1pPr algn="l">
+              <a:defRPr sz="1200"/>
+            </a:lvl1pPr>
+          </a:lstStyle>
+          <a:p>
+            <a:endParaRPr lang="vi-VN"/>
+          </a:p>
+        </p:txBody>
+      </p:sp>
+      <p:sp>
+        <p:nvSpPr>
+          <p:cNvPr id="3" name="Chỗ dành sẵn cho Ngày tháng 2"/>
+          <p:cNvSpPr>
+            <a:spLocks noGrp="1"/>
+          </p:cNvSpPr>
+          <p:nvPr>
+            <p:ph type="dt" idx="1"/>
+          </p:nvPr>
+        </p:nvSpPr>
+        <p:spPr>
+          <a:xfrm>
+            <a:off x="3884613" y="0"/>
+            <a:ext cx="2971800" cy="458788"/>
+          </a:xfrm>
+          <a:prstGeom prst="rect">
+            <a:avLst/>
+          </a:prstGeom>
+        </p:spPr>
+        <p:txBody>
+          <a:bodyPr vert="horz" lIns="91440" tIns="45720" rIns="91440" bIns="45720" rtlCol="0"/>
+          <a:lstStyle>
+            <a:lvl1pPr algn="r">
+              <a:defRPr sz="1200"/>
+            </a:lvl1pPr>
+          </a:lstStyle>
+          <a:p>
+            <a:fld id="{1DF8EB0A-3D88-47AF-8B37-7E6EB8CD0DC9}" type="datetimeFigureOut">
+              <a:rPr lang="vi-VN" smtClean="0"/>
+              <a:t>16/11/2021</a:t>
+            </a:fld>
+            <a:endParaRPr lang="vi-VN"/>
+          </a:p>
+        </p:txBody>
+      </p:sp>
+      <p:sp>
+        <p:nvSpPr>
+          <p:cNvPr id="4" name="Chỗ dành sẵn cho Hình ảnh của Bản chiếu 3"/>
+          <p:cNvSpPr>
+            <a:spLocks noGrp="1" noRot="1" noChangeAspect="1"/>
+          </p:cNvSpPr>
+          <p:nvPr>
+            <p:ph type="sldImg" idx="2"/>
+          </p:nvPr>
+        </p:nvSpPr>
+        <p:spPr>
+          <a:xfrm>
+            <a:off x="685800" y="1143000"/>
+            <a:ext cx="5486400" cy="3086100"/>
+          </a:xfrm>
+          <a:prstGeom prst="rect">
+            <a:avLst/>
+          </a:prstGeom>
+          <a:noFill/>
+          <a:ln w="12700">
+            <a:solidFill>
+              <a:prstClr val="black"/>
+            </a:solidFill>
+          </a:ln>
+        </p:spPr>
+        <p:txBody>
+          <a:bodyPr vert="horz" lIns="91440" tIns="45720" rIns="91440" bIns="45720" rtlCol="0" anchor="ctr"/>
+          <a:lstStyle/>
+          <a:p>
+            <a:endParaRPr lang="vi-VN"/>
+          </a:p>
+        </p:txBody>
+      </p:sp>
+      <p:sp>
+        <p:nvSpPr>
+          <p:cNvPr id="5" name="Chỗ dành sẵn cho Ghi chú 4"/>
+          <p:cNvSpPr>
+            <a:spLocks noGrp="1"/>
+          </p:cNvSpPr>
+          <p:nvPr>
+            <p:ph type="body" sz="quarter" idx="3"/>
+          </p:nvPr>
+        </p:nvSpPr>
+        <p:spPr>
+          <a:xfrm>
+            <a:off x="685800" y="4400550"/>
+            <a:ext cx="5486400" cy="3600450"/>
+          </a:xfrm>
+          <a:prstGeom prst="rect">
+            <a:avLst/>
+          </a:prstGeom>
+        </p:spPr>
+        <p:txBody>
+          <a:bodyPr vert="horz" lIns="91440" tIns="45720" rIns="91440" bIns="45720" rtlCol="0"/>
+          <a:lstStyle/>
+          <a:p>
+            <a:pPr lvl="0"/>
+            <a:r>
+              <a:rPr lang="vi-VN"/>
+              <a:t>Bấm để chỉnh sửa kiểu văn bản của Bản cái</a:t>
+            </a:r>
+          </a:p>
+          <a:p>
+            <a:pPr lvl="1"/>
+            <a:r>
+              <a:rPr lang="vi-VN"/>
+              <a:t>Mức hai</a:t>
+            </a:r>
+          </a:p>
+          <a:p>
+            <a:pPr lvl="2"/>
+            <a:r>
+              <a:rPr lang="vi-VN"/>
+              <a:t>Mức ba</a:t>
+            </a:r>
+          </a:p>
+          <a:p>
+            <a:pPr lvl="3"/>
+            <a:r>
+              <a:rPr lang="vi-VN"/>
+              <a:t>Mức bốn</a:t>
+            </a:r>
+          </a:p>
+          <a:p>
+            <a:pPr lvl="4"/>
+            <a:r>
+              <a:rPr lang="vi-VN"/>
+              <a:t>Mức năm</a:t>
+            </a:r>
+          </a:p>
+        </p:txBody>
+      </p:sp>
+      <p:sp>
+        <p:nvSpPr>
+          <p:cNvPr id="6" name="Chỗ dành sẵn cho Chân trang 5"/>
+          <p:cNvSpPr>
+            <a:spLocks noGrp="1"/>
+          </p:cNvSpPr>
+          <p:nvPr>
+            <p:ph type="ftr" sz="quarter" idx="4"/>
+          </p:nvPr>
+        </p:nvSpPr>
+        <p:spPr>
+          <a:xfrm>
+            <a:off x="0" y="8685213"/>
+            <a:ext cx="2971800" cy="458787"/>
+          </a:xfrm>
+          <a:prstGeom prst="rect">
+            <a:avLst/>
+          </a:prstGeom>
+        </p:spPr>
+        <p:txBody>
+          <a:bodyPr vert="horz" lIns="91440" tIns="45720" rIns="91440" bIns="45720" rtlCol="0" anchor="b"/>
+          <a:lstStyle>
+            <a:lvl1pPr algn="l">
+              <a:defRPr sz="1200"/>
+            </a:lvl1pPr>
+          </a:lstStyle>
+          <a:p>
+            <a:endParaRPr lang="vi-VN"/>
+          </a:p>
+        </p:txBody>
+      </p:sp>
+      <p:sp>
+        <p:nvSpPr>
+          <p:cNvPr id="7" name="Chỗ dành sẵn cho Số hiệu Bản chiếu 6"/>
+          <p:cNvSpPr>
+            <a:spLocks noGrp="1"/>
+          </p:cNvSpPr>
+          <p:nvPr>
+            <p:ph type="sldNum" sz="quarter" idx="5"/>
+          </p:nvPr>
+        </p:nvSpPr>
+        <p:spPr>
+          <a:xfrm>
+            <a:off x="3884613" y="8685213"/>
+            <a:ext cx="2971800" cy="458787"/>
+          </a:xfrm>
+          <a:prstGeom prst="rect">
+            <a:avLst/>
+          </a:prstGeom>
+        </p:spPr>
+        <p:txBody>
+          <a:bodyPr vert="horz" lIns="91440" tIns="45720" rIns="91440" bIns="45720" rtlCol="0" anchor="b"/>
+          <a:lstStyle>
+            <a:lvl1pPr algn="r">
+              <a:defRPr sz="1200"/>
+            </a:lvl1pPr>
+          </a:lstStyle>
+          <a:p>
+            <a:fld id="{5AE7CCA1-3551-4813-898E-78AD7B0C1B9A}" type="slidenum">
+              <a:rPr lang="vi-VN" smtClean="0"/>
+              <a:t>‹#›</a:t>
+            </a:fld>
+            <a:endParaRPr lang="vi-VN"/>
+          </a:p>
+        </p:txBody>
+      </p:sp>
+    </p:spTree>
+    <p:extLst>
+      <p:ext uri="{BB962C8B-B14F-4D97-AF65-F5344CB8AC3E}">
+        <p14:creationId xmlns:p14="http://schemas.microsoft.com/office/powerpoint/2010/main" val="2064104756"/>
+      </p:ext>
+    </p:extLst>
+  </p:cSld>
+  <p:clrMap bg1="lt1" tx1="dk1" bg2="lt2" tx2="dk2" accent1="accent1" accent2="accent2" accent3="accent3" accent4="accent4" accent5="accent5" accent6="accent6" hlink="hlink" folHlink="folHlink"/>
+  <p:notesStyle>
+    <a:lvl1pPr marL="0" algn="l" defTabSz="914400" rtl="0" eaLnBrk="1" latinLnBrk="0" hangingPunct="1">
+      <a:defRPr sz="1200" kern="1200">
+        <a:solidFill>
+          <a:schemeClr val="tx1"/>
+        </a:solidFill>
+        <a:latin typeface="+mn-lt"/>
+        <a:ea typeface="+mn-ea"/>
+        <a:cs typeface="+mn-cs"/>
+      </a:defRPr>
+    </a:lvl1pPr>
+    <a:lvl2pPr marL="457200" algn="l" defTabSz="914400" rtl="0" eaLnBrk="1" latinLnBrk="0" hangingPunct="1">
+      <a:defRPr sz="1200" kern="1200">
+        <a:solidFill>
+          <a:schemeClr val="tx1"/>
+        </a:solidFill>
+        <a:latin typeface="+mn-lt"/>
+        <a:ea typeface="+mn-ea"/>
+        <a:cs typeface="+mn-cs"/>
+      </a:defRPr>
+    </a:lvl2pPr>
+    <a:lvl3pPr marL="914400" algn="l" defTabSz="914400" rtl="0" eaLnBrk="1" latinLnBrk="0" hangingPunct="1">
+      <a:defRPr sz="1200" kern="1200">
+        <a:solidFill>
+          <a:schemeClr val="tx1"/>
+        </a:solidFill>
+        <a:latin typeface="+mn-lt"/>
+        <a:ea typeface="+mn-ea"/>
+        <a:cs typeface="+mn-cs"/>
+      </a:defRPr>
+    </a:lvl3pPr>
+    <a:lvl4pPr marL="1371600" algn="l" defTabSz="914400" rtl="0" eaLnBrk="1" latinLnBrk="0" hangingPunct="1">
+      <a:defRPr sz="1200" kern="1200">
+        <a:solidFill>
+          <a:schemeClr val="tx1"/>
+        </a:solidFill>
+        <a:latin typeface="+mn-lt"/>
+        <a:ea typeface="+mn-ea"/>
+        <a:cs typeface="+mn-cs"/>
+      </a:defRPr>
+    </a:lvl4pPr>
+    <a:lvl5pPr marL="1828800" algn="l" defTabSz="914400" rtl="0" eaLnBrk="1" latinLnBrk="0" hangingPunct="1">
+      <a:defRPr sz="1200" kern="1200">
+        <a:solidFill>
+          <a:schemeClr val="tx1"/>
+        </a:solidFill>
+        <a:latin typeface="+mn-lt"/>
+        <a:ea typeface="+mn-ea"/>
+        <a:cs typeface="+mn-cs"/>
+      </a:defRPr>
+    </a:lvl5pPr>
+    <a:lvl6pPr marL="2286000" algn="l" defTabSz="914400" rtl="0" eaLnBrk="1" latinLnBrk="0" hangingPunct="1">
+      <a:defRPr sz="1200" kern="1200">
+        <a:solidFill>
+          <a:schemeClr val="tx1"/>
+        </a:solidFill>
+        <a:latin typeface="+mn-lt"/>
+        <a:ea typeface="+mn-ea"/>
+        <a:cs typeface="+mn-cs"/>
+      </a:defRPr>
+    </a:lvl6pPr>
+    <a:lvl7pPr marL="2743200" algn="l" defTabSz="914400" rtl="0" eaLnBrk="1" latinLnBrk="0" hangingPunct="1">
+      <a:defRPr sz="1200" kern="1200">
+        <a:solidFill>
+          <a:schemeClr val="tx1"/>
+        </a:solidFill>
+        <a:latin typeface="+mn-lt"/>
+        <a:ea typeface="+mn-ea"/>
+        <a:cs typeface="+mn-cs"/>
+      </a:defRPr>
+    </a:lvl7pPr>
+    <a:lvl8pPr marL="3200400" algn="l" defTabSz="914400" rtl="0" eaLnBrk="1" latinLnBrk="0" hangingPunct="1">
+      <a:defRPr sz="1200" kern="1200">
+        <a:solidFill>
+          <a:schemeClr val="tx1"/>
+        </a:solidFill>
+        <a:latin typeface="+mn-lt"/>
+        <a:ea typeface="+mn-ea"/>
+        <a:cs typeface="+mn-cs"/>
+      </a:defRPr>
+    </a:lvl8pPr>
+    <a:lvl9pPr marL="3657600" algn="l" defTabSz="914400" rtl="0" eaLnBrk="1" latinLnBrk="0" hangingPunct="1">
+      <a:defRPr sz="1200" kern="1200">
+        <a:solidFill>
+          <a:schemeClr val="tx1"/>
+        </a:solidFill>
+        <a:latin typeface="+mn-lt"/>
+        <a:ea typeface="+mn-ea"/>
+        <a:cs typeface="+mn-cs"/>
+      </a:defRPr>
+    </a:lvl9pPr>
+  </p:notesStyle>
+</p:notesMaster>
 </file>
 
 <file path=ppt/slideLayouts/slideLayout1.xml><?xml version="1.0" encoding="utf-8"?>
@@ -489,9 +699,9 @@
           <a:bodyPr/>
           <a:lstStyle/>
           <a:p>
-            <a:fld id="{761D61EA-8B4B-4088-BE46-29F6153D55D8}" type="datetimeFigureOut">
+            <a:fld id="{EB8135D3-0DC7-472E-9E95-8EBB926A0EB6}" type="datetime1">
               <a:rPr lang="vi-VN" smtClean="0"/>
-              <a:t>25/10/2021</a:t>
+              <a:t>16/11/2021</a:t>
             </a:fld>
             <a:endParaRPr lang="vi-VN"/>
           </a:p>
@@ -687,9 +897,9 @@
           <a:bodyPr/>
           <a:lstStyle/>
           <a:p>
-            <a:fld id="{761D61EA-8B4B-4088-BE46-29F6153D55D8}" type="datetimeFigureOut">
+            <a:fld id="{8596560B-899E-429A-84F2-41ABFB82A5A9}" type="datetime1">
               <a:rPr lang="vi-VN" smtClean="0"/>
-              <a:t>25/10/2021</a:t>
+              <a:t>16/11/2021</a:t>
             </a:fld>
             <a:endParaRPr lang="vi-VN"/>
           </a:p>
@@ -895,9 +1105,9 @@
           <a:bodyPr/>
           <a:lstStyle/>
           <a:p>
-            <a:fld id="{761D61EA-8B4B-4088-BE46-29F6153D55D8}" type="datetimeFigureOut">
+            <a:fld id="{1709AC3F-2674-49D3-A873-07AA9E5DCF06}" type="datetime1">
               <a:rPr lang="vi-VN" smtClean="0"/>
-              <a:t>25/10/2021</a:t>
+              <a:t>16/11/2021</a:t>
             </a:fld>
             <a:endParaRPr lang="vi-VN"/>
           </a:p>
@@ -1093,9 +1303,9 @@
           <a:bodyPr/>
           <a:lstStyle/>
           <a:p>
-            <a:fld id="{761D61EA-8B4B-4088-BE46-29F6153D55D8}" type="datetimeFigureOut">
+            <a:fld id="{6D500D8F-B0AE-4366-9341-7B6F0640C2BE}" type="datetime1">
               <a:rPr lang="vi-VN" smtClean="0"/>
-              <a:t>25/10/2021</a:t>
+              <a:t>16/11/2021</a:t>
             </a:fld>
             <a:endParaRPr lang="vi-VN"/>
           </a:p>
@@ -1368,9 +1578,9 @@
           <a:bodyPr/>
           <a:lstStyle/>
           <a:p>
-            <a:fld id="{761D61EA-8B4B-4088-BE46-29F6153D55D8}" type="datetimeFigureOut">
+            <a:fld id="{13C0DA7A-F9FE-4C1E-A471-7C38F755C552}" type="datetime1">
               <a:rPr lang="vi-VN" smtClean="0"/>
-              <a:t>25/10/2021</a:t>
+              <a:t>16/11/2021</a:t>
             </a:fld>
             <a:endParaRPr lang="vi-VN"/>
           </a:p>
@@ -1633,9 +1843,9 @@
           <a:bodyPr/>
           <a:lstStyle/>
           <a:p>
-            <a:fld id="{761D61EA-8B4B-4088-BE46-29F6153D55D8}" type="datetimeFigureOut">
+            <a:fld id="{D9A61B5A-4066-4776-A7F8-F246FF6DE426}" type="datetime1">
               <a:rPr lang="vi-VN" smtClean="0"/>
-              <a:t>25/10/2021</a:t>
+              <a:t>16/11/2021</a:t>
             </a:fld>
             <a:endParaRPr lang="vi-VN"/>
           </a:p>
@@ -2045,9 +2255,9 @@
           <a:bodyPr/>
           <a:lstStyle/>
           <a:p>
-            <a:fld id="{761D61EA-8B4B-4088-BE46-29F6153D55D8}" type="datetimeFigureOut">
+            <a:fld id="{431C399D-8096-48E3-98E2-6EA85002E14F}" type="datetime1">
               <a:rPr lang="vi-VN" smtClean="0"/>
-              <a:t>25/10/2021</a:t>
+              <a:t>16/11/2021</a:t>
             </a:fld>
             <a:endParaRPr lang="vi-VN"/>
           </a:p>
@@ -2186,9 +2396,9 @@
           <a:bodyPr/>
           <a:lstStyle/>
           <a:p>
-            <a:fld id="{761D61EA-8B4B-4088-BE46-29F6153D55D8}" type="datetimeFigureOut">
+            <a:fld id="{F1836DE2-13AF-4AB3-8918-00D6109ABC25}" type="datetime1">
               <a:rPr lang="vi-VN" smtClean="0"/>
-              <a:t>25/10/2021</a:t>
+              <a:t>16/11/2021</a:t>
             </a:fld>
             <a:endParaRPr lang="vi-VN"/>
           </a:p>
@@ -2299,9 +2509,9 @@
           <a:bodyPr/>
           <a:lstStyle/>
           <a:p>
-            <a:fld id="{761D61EA-8B4B-4088-BE46-29F6153D55D8}" type="datetimeFigureOut">
+            <a:fld id="{0A8FCF89-8CC3-4338-8ED2-C415082D670C}" type="datetime1">
               <a:rPr lang="vi-VN" smtClean="0"/>
-              <a:t>25/10/2021</a:t>
+              <a:t>16/11/2021</a:t>
             </a:fld>
             <a:endParaRPr lang="vi-VN"/>
           </a:p>
@@ -2610,9 +2820,9 @@
           <a:bodyPr/>
           <a:lstStyle/>
           <a:p>
-            <a:fld id="{761D61EA-8B4B-4088-BE46-29F6153D55D8}" type="datetimeFigureOut">
+            <a:fld id="{9B246DAD-E1C2-4AE1-9631-2D4DF36CDBB1}" type="datetime1">
               <a:rPr lang="vi-VN" smtClean="0"/>
-              <a:t>25/10/2021</a:t>
+              <a:t>16/11/2021</a:t>
             </a:fld>
             <a:endParaRPr lang="vi-VN"/>
           </a:p>
@@ -2898,9 +3108,9 @@
           <a:bodyPr/>
           <a:lstStyle/>
           <a:p>
-            <a:fld id="{761D61EA-8B4B-4088-BE46-29F6153D55D8}" type="datetimeFigureOut">
+            <a:fld id="{EEC90FF2-7BE5-44CC-AFD7-2A4F808E557C}" type="datetime1">
               <a:rPr lang="vi-VN" smtClean="0"/>
-              <a:t>25/10/2021</a:t>
+              <a:t>16/11/2021</a:t>
             </a:fld>
             <a:endParaRPr lang="vi-VN"/>
           </a:p>
@@ -3139,9 +3349,9 @@
             </a:lvl1pPr>
           </a:lstStyle>
           <a:p>
-            <a:fld id="{761D61EA-8B4B-4088-BE46-29F6153D55D8}" type="datetimeFigureOut">
+            <a:fld id="{BE99BEBD-4040-4E3E-861A-483E2C55E883}" type="datetime1">
               <a:rPr lang="vi-VN" smtClean="0"/>
-              <a:t>25/10/2021</a:t>
+              <a:t>16/11/2021</a:t>
             </a:fld>
             <a:endParaRPr lang="vi-VN"/>
           </a:p>
@@ -3258,6 +3468,7 @@
     <p:sldLayoutId id="2147483658" r:id="rId10"/>
     <p:sldLayoutId id="2147483659" r:id="rId11"/>
   </p:sldLayoutIdLst>
+  <p:hf hdr="0" ftr="0" dt="0"/>
   <p:txStyles>
     <p:titleStyle>
       <a:lvl1pPr algn="l" defTabSz="914400" rtl="0" eaLnBrk="1" latinLnBrk="0" hangingPunct="1">
@@ -3625,6 +3836,35 @@
           </a:p>
         </p:txBody>
       </p:sp>
+      <p:sp>
+        <p:nvSpPr>
+          <p:cNvPr id="4" name="Chỗ dành sẵn cho Số hiệu Bản chiếu 3">
+            <a:extLst>
+              <a:ext uri="{FF2B5EF4-FFF2-40B4-BE49-F238E27FC236}">
+                <a16:creationId xmlns:a16="http://schemas.microsoft.com/office/drawing/2014/main" id="{824016CB-E252-45B8-AE73-749972B304DB}"/>
+              </a:ext>
+            </a:extLst>
+          </p:cNvPr>
+          <p:cNvSpPr>
+            <a:spLocks noGrp="1"/>
+          </p:cNvSpPr>
+          <p:nvPr>
+            <p:ph type="sldNum" sz="quarter" idx="12"/>
+          </p:nvPr>
+        </p:nvSpPr>
+        <p:spPr/>
+        <p:txBody>
+          <a:bodyPr/>
+          <a:lstStyle/>
+          <a:p>
+            <a:fld id="{480537A9-B8B1-481D-9BE4-179EB839AE15}" type="slidenum">
+              <a:rPr lang="vi-VN" smtClean="0"/>
+              <a:t>1</a:t>
+            </a:fld>
+            <a:endParaRPr lang="vi-VN"/>
+          </a:p>
+        </p:txBody>
+      </p:sp>
     </p:spTree>
     <p:extLst>
       <p:ext uri="{BB962C8B-B14F-4D97-AF65-F5344CB8AC3E}">
@@ -3712,6 +3952,35 @@
               <a:rPr lang="en-US"/>
               <a:t>Third step: define relationships between actor and actor, usecase and usecase, actor and usecase.</a:t>
             </a:r>
+            <a:endParaRPr lang="vi-VN"/>
+          </a:p>
+        </p:txBody>
+      </p:sp>
+      <p:sp>
+        <p:nvSpPr>
+          <p:cNvPr id="4" name="Chỗ dành sẵn cho Số hiệu Bản chiếu 3">
+            <a:extLst>
+              <a:ext uri="{FF2B5EF4-FFF2-40B4-BE49-F238E27FC236}">
+                <a16:creationId xmlns:a16="http://schemas.microsoft.com/office/drawing/2014/main" id="{85DB2A19-6756-4A8A-83C9-1677008F2B13}"/>
+              </a:ext>
+            </a:extLst>
+          </p:cNvPr>
+          <p:cNvSpPr>
+            <a:spLocks noGrp="1"/>
+          </p:cNvSpPr>
+          <p:nvPr>
+            <p:ph type="sldNum" sz="quarter" idx="12"/>
+          </p:nvPr>
+        </p:nvSpPr>
+        <p:spPr/>
+        <p:txBody>
+          <a:bodyPr/>
+          <a:lstStyle/>
+          <a:p>
+            <a:fld id="{480537A9-B8B1-481D-9BE4-179EB839AE15}" type="slidenum">
+              <a:rPr lang="vi-VN" smtClean="0"/>
+              <a:t>10</a:t>
+            </a:fld>
             <a:endParaRPr lang="vi-VN"/>
           </a:p>
         </p:txBody>
@@ -6022,6 +6291,35 @@
           </a:p>
         </p:txBody>
       </p:sp>
+      <p:sp>
+        <p:nvSpPr>
+          <p:cNvPr id="2" name="Chỗ dành sẵn cho Số hiệu Bản chiếu 1">
+            <a:extLst>
+              <a:ext uri="{FF2B5EF4-FFF2-40B4-BE49-F238E27FC236}">
+                <a16:creationId xmlns:a16="http://schemas.microsoft.com/office/drawing/2014/main" id="{889FB202-E03E-4E21-8262-0921E6A1B304}"/>
+              </a:ext>
+            </a:extLst>
+          </p:cNvPr>
+          <p:cNvSpPr>
+            <a:spLocks noGrp="1"/>
+          </p:cNvSpPr>
+          <p:nvPr>
+            <p:ph type="sldNum" sz="quarter" idx="12"/>
+          </p:nvPr>
+        </p:nvSpPr>
+        <p:spPr/>
+        <p:txBody>
+          <a:bodyPr/>
+          <a:lstStyle/>
+          <a:p>
+            <a:fld id="{480537A9-B8B1-481D-9BE4-179EB839AE15}" type="slidenum">
+              <a:rPr lang="vi-VN" smtClean="0"/>
+              <a:t>11</a:t>
+            </a:fld>
+            <a:endParaRPr lang="vi-VN"/>
+          </a:p>
+        </p:txBody>
+      </p:sp>
     </p:spTree>
     <p:extLst>
       <p:ext uri="{BB962C8B-B14F-4D97-AF65-F5344CB8AC3E}">
@@ -7677,6 +7975,35 @@
           </a:p>
         </p:txBody>
       </p:sp>
+      <p:sp>
+        <p:nvSpPr>
+          <p:cNvPr id="2" name="Chỗ dành sẵn cho Số hiệu Bản chiếu 1">
+            <a:extLst>
+              <a:ext uri="{FF2B5EF4-FFF2-40B4-BE49-F238E27FC236}">
+                <a16:creationId xmlns:a16="http://schemas.microsoft.com/office/drawing/2014/main" id="{27AE17D9-6FF9-4639-AB9D-59761899BAE2}"/>
+              </a:ext>
+            </a:extLst>
+          </p:cNvPr>
+          <p:cNvSpPr>
+            <a:spLocks noGrp="1"/>
+          </p:cNvSpPr>
+          <p:nvPr>
+            <p:ph type="sldNum" sz="quarter" idx="12"/>
+          </p:nvPr>
+        </p:nvSpPr>
+        <p:spPr/>
+        <p:txBody>
+          <a:bodyPr/>
+          <a:lstStyle/>
+          <a:p>
+            <a:fld id="{480537A9-B8B1-481D-9BE4-179EB839AE15}" type="slidenum">
+              <a:rPr lang="vi-VN" smtClean="0"/>
+              <a:t>12</a:t>
+            </a:fld>
+            <a:endParaRPr lang="vi-VN"/>
+          </a:p>
+        </p:txBody>
+      </p:sp>
     </p:spTree>
     <p:extLst>
       <p:ext uri="{BB962C8B-B14F-4D97-AF65-F5344CB8AC3E}">
@@ -7767,6 +8094,35 @@
           </a:p>
         </p:txBody>
       </p:sp>
+      <p:sp>
+        <p:nvSpPr>
+          <p:cNvPr id="4" name="Chỗ dành sẵn cho Số hiệu Bản chiếu 3">
+            <a:extLst>
+              <a:ext uri="{FF2B5EF4-FFF2-40B4-BE49-F238E27FC236}">
+                <a16:creationId xmlns:a16="http://schemas.microsoft.com/office/drawing/2014/main" id="{31869540-2E7D-4938-90E9-5A1B852DC0EA}"/>
+              </a:ext>
+            </a:extLst>
+          </p:cNvPr>
+          <p:cNvSpPr>
+            <a:spLocks noGrp="1"/>
+          </p:cNvSpPr>
+          <p:nvPr>
+            <p:ph type="sldNum" sz="quarter" idx="12"/>
+          </p:nvPr>
+        </p:nvSpPr>
+        <p:spPr/>
+        <p:txBody>
+          <a:bodyPr/>
+          <a:lstStyle/>
+          <a:p>
+            <a:fld id="{480537A9-B8B1-481D-9BE4-179EB839AE15}" type="slidenum">
+              <a:rPr lang="vi-VN" smtClean="0"/>
+              <a:t>13</a:t>
+            </a:fld>
+            <a:endParaRPr lang="vi-VN"/>
+          </a:p>
+        </p:txBody>
+      </p:sp>
     </p:spTree>
     <p:extLst>
       <p:ext uri="{BB962C8B-B14F-4D97-AF65-F5344CB8AC3E}">
@@ -7874,6 +8230,35 @@
               <a:rPr lang="en-US"/>
               <a:t>In addition, the system also needs a module to ensure the company manages business activities such as the quantity of goods in stock, order management, delivery status, payment, etc.</a:t>
             </a:r>
+            <a:endParaRPr lang="vi-VN"/>
+          </a:p>
+        </p:txBody>
+      </p:sp>
+      <p:sp>
+        <p:nvSpPr>
+          <p:cNvPr id="4" name="Chỗ dành sẵn cho Số hiệu Bản chiếu 3">
+            <a:extLst>
+              <a:ext uri="{FF2B5EF4-FFF2-40B4-BE49-F238E27FC236}">
+                <a16:creationId xmlns:a16="http://schemas.microsoft.com/office/drawing/2014/main" id="{05E0845C-FEE6-4CA3-8CF9-DC85166D12D3}"/>
+              </a:ext>
+            </a:extLst>
+          </p:cNvPr>
+          <p:cNvSpPr>
+            <a:spLocks noGrp="1"/>
+          </p:cNvSpPr>
+          <p:nvPr>
+            <p:ph type="sldNum" sz="quarter" idx="12"/>
+          </p:nvPr>
+        </p:nvSpPr>
+        <p:spPr/>
+        <p:txBody>
+          <a:bodyPr/>
+          <a:lstStyle/>
+          <a:p>
+            <a:fld id="{480537A9-B8B1-481D-9BE4-179EB839AE15}" type="slidenum">
+              <a:rPr lang="vi-VN" smtClean="0"/>
+              <a:t>14</a:t>
+            </a:fld>
             <a:endParaRPr lang="vi-VN"/>
           </a:p>
         </p:txBody>
@@ -9460,6 +9845,35 @@
           </a:fontRef>
         </p:style>
       </p:cxnSp>
+      <p:sp>
+        <p:nvSpPr>
+          <p:cNvPr id="2" name="Chỗ dành sẵn cho Số hiệu Bản chiếu 1">
+            <a:extLst>
+              <a:ext uri="{FF2B5EF4-FFF2-40B4-BE49-F238E27FC236}">
+                <a16:creationId xmlns:a16="http://schemas.microsoft.com/office/drawing/2014/main" id="{10FCD6F9-2AE3-4A82-A675-6A6D03D54A68}"/>
+              </a:ext>
+            </a:extLst>
+          </p:cNvPr>
+          <p:cNvSpPr>
+            <a:spLocks noGrp="1"/>
+          </p:cNvSpPr>
+          <p:nvPr>
+            <p:ph type="sldNum" sz="quarter" idx="12"/>
+          </p:nvPr>
+        </p:nvSpPr>
+        <p:spPr/>
+        <p:txBody>
+          <a:bodyPr/>
+          <a:lstStyle/>
+          <a:p>
+            <a:fld id="{480537A9-B8B1-481D-9BE4-179EB839AE15}" type="slidenum">
+              <a:rPr lang="vi-VN" smtClean="0"/>
+              <a:t>15</a:t>
+            </a:fld>
+            <a:endParaRPr lang="vi-VN"/>
+          </a:p>
+        </p:txBody>
+      </p:sp>
     </p:spTree>
     <p:extLst>
       <p:ext uri="{BB962C8B-B14F-4D97-AF65-F5344CB8AC3E}">
@@ -11778,6 +12192,35 @@
           </a:p>
         </p:txBody>
       </p:sp>
+      <p:sp>
+        <p:nvSpPr>
+          <p:cNvPr id="3" name="Chỗ dành sẵn cho Số hiệu Bản chiếu 2">
+            <a:extLst>
+              <a:ext uri="{FF2B5EF4-FFF2-40B4-BE49-F238E27FC236}">
+                <a16:creationId xmlns:a16="http://schemas.microsoft.com/office/drawing/2014/main" id="{D4186221-12D8-475A-AD90-3750466366AC}"/>
+              </a:ext>
+            </a:extLst>
+          </p:cNvPr>
+          <p:cNvSpPr>
+            <a:spLocks noGrp="1"/>
+          </p:cNvSpPr>
+          <p:nvPr>
+            <p:ph type="sldNum" sz="quarter" idx="12"/>
+          </p:nvPr>
+        </p:nvSpPr>
+        <p:spPr/>
+        <p:txBody>
+          <a:bodyPr/>
+          <a:lstStyle/>
+          <a:p>
+            <a:fld id="{480537A9-B8B1-481D-9BE4-179EB839AE15}" type="slidenum">
+              <a:rPr lang="vi-VN" smtClean="0"/>
+              <a:t>16</a:t>
+            </a:fld>
+            <a:endParaRPr lang="vi-VN"/>
+          </a:p>
+        </p:txBody>
+      </p:sp>
     </p:spTree>
     <p:extLst>
       <p:ext uri="{BB962C8B-B14F-4D97-AF65-F5344CB8AC3E}">
@@ -11868,6 +12311,35 @@
           </a:p>
         </p:txBody>
       </p:sp>
+      <p:sp>
+        <p:nvSpPr>
+          <p:cNvPr id="4" name="Chỗ dành sẵn cho Số hiệu Bản chiếu 3">
+            <a:extLst>
+              <a:ext uri="{FF2B5EF4-FFF2-40B4-BE49-F238E27FC236}">
+                <a16:creationId xmlns:a16="http://schemas.microsoft.com/office/drawing/2014/main" id="{4CF0437A-128E-4AEC-B1E0-009A34554785}"/>
+              </a:ext>
+            </a:extLst>
+          </p:cNvPr>
+          <p:cNvSpPr>
+            <a:spLocks noGrp="1"/>
+          </p:cNvSpPr>
+          <p:nvPr>
+            <p:ph type="sldNum" sz="quarter" idx="12"/>
+          </p:nvPr>
+        </p:nvSpPr>
+        <p:spPr/>
+        <p:txBody>
+          <a:bodyPr/>
+          <a:lstStyle/>
+          <a:p>
+            <a:fld id="{480537A9-B8B1-481D-9BE4-179EB839AE15}" type="slidenum">
+              <a:rPr lang="vi-VN" smtClean="0"/>
+              <a:t>17</a:t>
+            </a:fld>
+            <a:endParaRPr lang="vi-VN"/>
+          </a:p>
+        </p:txBody>
+      </p:sp>
     </p:spTree>
     <p:extLst>
       <p:ext uri="{BB962C8B-B14F-4D97-AF65-F5344CB8AC3E}">
@@ -12554,6 +13026,35 @@
           </a:p>
         </p:txBody>
       </p:sp>
+      <p:sp>
+        <p:nvSpPr>
+          <p:cNvPr id="3" name="Chỗ dành sẵn cho Số hiệu Bản chiếu 2">
+            <a:extLst>
+              <a:ext uri="{FF2B5EF4-FFF2-40B4-BE49-F238E27FC236}">
+                <a16:creationId xmlns:a16="http://schemas.microsoft.com/office/drawing/2014/main" id="{E92F9FE8-7F56-4E41-9A6C-7D5272B4E2C4}"/>
+              </a:ext>
+            </a:extLst>
+          </p:cNvPr>
+          <p:cNvSpPr>
+            <a:spLocks noGrp="1"/>
+          </p:cNvSpPr>
+          <p:nvPr>
+            <p:ph type="sldNum" sz="quarter" idx="12"/>
+          </p:nvPr>
+        </p:nvSpPr>
+        <p:spPr/>
+        <p:txBody>
+          <a:bodyPr/>
+          <a:lstStyle/>
+          <a:p>
+            <a:fld id="{480537A9-B8B1-481D-9BE4-179EB839AE15}" type="slidenum">
+              <a:rPr lang="vi-VN" smtClean="0"/>
+              <a:t>18</a:t>
+            </a:fld>
+            <a:endParaRPr lang="vi-VN"/>
+          </a:p>
+        </p:txBody>
+      </p:sp>
     </p:spTree>
     <p:extLst>
       <p:ext uri="{BB962C8B-B14F-4D97-AF65-F5344CB8AC3E}">
@@ -13623,6 +14124,35 @@
                 <a:schemeClr val="tx1"/>
               </a:solidFill>
             </a:endParaRPr>
+          </a:p>
+        </p:txBody>
+      </p:sp>
+      <p:sp>
+        <p:nvSpPr>
+          <p:cNvPr id="5" name="Chỗ dành sẵn cho Số hiệu Bản chiếu 4">
+            <a:extLst>
+              <a:ext uri="{FF2B5EF4-FFF2-40B4-BE49-F238E27FC236}">
+                <a16:creationId xmlns:a16="http://schemas.microsoft.com/office/drawing/2014/main" id="{18637A81-32A3-424F-9B31-33DFA5F09EFF}"/>
+              </a:ext>
+            </a:extLst>
+          </p:cNvPr>
+          <p:cNvSpPr>
+            <a:spLocks noGrp="1"/>
+          </p:cNvSpPr>
+          <p:nvPr>
+            <p:ph type="sldNum" sz="quarter" idx="12"/>
+          </p:nvPr>
+        </p:nvSpPr>
+        <p:spPr/>
+        <p:txBody>
+          <a:bodyPr/>
+          <a:lstStyle/>
+          <a:p>
+            <a:fld id="{480537A9-B8B1-481D-9BE4-179EB839AE15}" type="slidenum">
+              <a:rPr lang="vi-VN" smtClean="0"/>
+              <a:t>19</a:t>
+            </a:fld>
+            <a:endParaRPr lang="vi-VN"/>
           </a:p>
         </p:txBody>
       </p:sp>
@@ -15088,6 +15618,35 @@
           </a:graphicData>
         </a:graphic>
       </p:graphicFrame>
+      <p:sp>
+        <p:nvSpPr>
+          <p:cNvPr id="2" name="Chỗ dành sẵn cho Số hiệu Bản chiếu 1">
+            <a:extLst>
+              <a:ext uri="{FF2B5EF4-FFF2-40B4-BE49-F238E27FC236}">
+                <a16:creationId xmlns:a16="http://schemas.microsoft.com/office/drawing/2014/main" id="{B7417362-E82E-41B5-99A9-4C2972C763C6}"/>
+              </a:ext>
+            </a:extLst>
+          </p:cNvPr>
+          <p:cNvSpPr>
+            <a:spLocks noGrp="1"/>
+          </p:cNvSpPr>
+          <p:nvPr>
+            <p:ph type="sldNum" sz="quarter" idx="12"/>
+          </p:nvPr>
+        </p:nvSpPr>
+        <p:spPr/>
+        <p:txBody>
+          <a:bodyPr/>
+          <a:lstStyle/>
+          <a:p>
+            <a:fld id="{480537A9-B8B1-481D-9BE4-179EB839AE15}" type="slidenum">
+              <a:rPr lang="vi-VN" smtClean="0"/>
+              <a:t>2</a:t>
+            </a:fld>
+            <a:endParaRPr lang="vi-VN"/>
+          </a:p>
+        </p:txBody>
+      </p:sp>
     </p:spTree>
     <p:extLst>
       <p:ext uri="{BB962C8B-B14F-4D97-AF65-F5344CB8AC3E}">
@@ -16544,57 +17103,35 @@
           </a:fontRef>
         </p:style>
       </p:cxnSp>
-      <mc:AlternateContent xmlns:mc="http://schemas.openxmlformats.org/markup-compatibility/2006" xmlns:p14="http://schemas.microsoft.com/office/powerpoint/2010/main">
-        <mc:Choice Requires="p14">
-          <p:contentPart p14:bwMode="auto" r:id="rId2">
-            <p14:nvContentPartPr>
-              <p14:cNvPr id="11" name="Viết tay 10">
-                <a:extLst>
-                  <a:ext uri="{FF2B5EF4-FFF2-40B4-BE49-F238E27FC236}">
-                    <a16:creationId xmlns:a16="http://schemas.microsoft.com/office/drawing/2014/main" id="{397B9E56-90C9-4755-95FD-2A75D635F230}"/>
-                  </a:ext>
-                </a:extLst>
-              </p14:cNvPr>
-              <p14:cNvContentPartPr/>
-              <p14:nvPr/>
-            </p14:nvContentPartPr>
-            <p14:xfrm>
-              <a:off x="929340" y="1117260"/>
-              <a:ext cx="2172240" cy="204480"/>
-            </p14:xfrm>
-          </p:contentPart>
-        </mc:Choice>
-        <mc:Fallback xmlns="">
-          <p:pic>
-            <p:nvPicPr>
-              <p:cNvPr id="11" name="Viết tay 10">
-                <a:extLst>
-                  <a:ext uri="{FF2B5EF4-FFF2-40B4-BE49-F238E27FC236}">
-                    <a16:creationId xmlns:a16="http://schemas.microsoft.com/office/drawing/2014/main" id="{397B9E56-90C9-4755-95FD-2A75D635F230}"/>
-                  </a:ext>
-                </a:extLst>
-              </p:cNvPr>
-              <p:cNvPicPr/>
-              <p:nvPr/>
-            </p:nvPicPr>
-            <p:blipFill>
-              <a:blip r:embed="rId3"/>
-              <a:stretch>
-                <a:fillRect/>
-              </a:stretch>
-            </p:blipFill>
-            <p:spPr>
-              <a:xfrm>
-                <a:off x="911700" y="1099620"/>
-                <a:ext cx="2207880" cy="240120"/>
-              </a:xfrm>
-              <a:prstGeom prst="rect">
-                <a:avLst/>
-              </a:prstGeom>
-            </p:spPr>
-          </p:pic>
-        </mc:Fallback>
-      </mc:AlternateContent>
+      <p:sp>
+        <p:nvSpPr>
+          <p:cNvPr id="5" name="Chỗ dành sẵn cho Số hiệu Bản chiếu 4">
+            <a:extLst>
+              <a:ext uri="{FF2B5EF4-FFF2-40B4-BE49-F238E27FC236}">
+                <a16:creationId xmlns:a16="http://schemas.microsoft.com/office/drawing/2014/main" id="{4EEBF407-853F-4414-AED5-A0505B945BCB}"/>
+              </a:ext>
+            </a:extLst>
+          </p:cNvPr>
+          <p:cNvSpPr>
+            <a:spLocks noGrp="1"/>
+          </p:cNvSpPr>
+          <p:nvPr>
+            <p:ph type="sldNum" sz="quarter" idx="12"/>
+          </p:nvPr>
+        </p:nvSpPr>
+        <p:spPr/>
+        <p:txBody>
+          <a:bodyPr/>
+          <a:lstStyle/>
+          <a:p>
+            <a:fld id="{480537A9-B8B1-481D-9BE4-179EB839AE15}" type="slidenum">
+              <a:rPr lang="vi-VN" smtClean="0"/>
+              <a:t>20</a:t>
+            </a:fld>
+            <a:endParaRPr lang="vi-VN"/>
+          </a:p>
+        </p:txBody>
+      </p:sp>
     </p:spTree>
     <p:extLst>
       <p:ext uri="{BB962C8B-B14F-4D97-AF65-F5344CB8AC3E}">
@@ -16685,6 +17222,35 @@
           </a:p>
         </p:txBody>
       </p:sp>
+      <p:sp>
+        <p:nvSpPr>
+          <p:cNvPr id="4" name="Chỗ dành sẵn cho Số hiệu Bản chiếu 3">
+            <a:extLst>
+              <a:ext uri="{FF2B5EF4-FFF2-40B4-BE49-F238E27FC236}">
+                <a16:creationId xmlns:a16="http://schemas.microsoft.com/office/drawing/2014/main" id="{5EFE7C7D-9DCD-4A0B-82B7-D3AE237A743C}"/>
+              </a:ext>
+            </a:extLst>
+          </p:cNvPr>
+          <p:cNvSpPr>
+            <a:spLocks noGrp="1"/>
+          </p:cNvSpPr>
+          <p:nvPr>
+            <p:ph type="sldNum" sz="quarter" idx="12"/>
+          </p:nvPr>
+        </p:nvSpPr>
+        <p:spPr/>
+        <p:txBody>
+          <a:bodyPr/>
+          <a:lstStyle/>
+          <a:p>
+            <a:fld id="{480537A9-B8B1-481D-9BE4-179EB839AE15}" type="slidenum">
+              <a:rPr lang="vi-VN" smtClean="0"/>
+              <a:t>21</a:t>
+            </a:fld>
+            <a:endParaRPr lang="vi-VN"/>
+          </a:p>
+        </p:txBody>
+      </p:sp>
     </p:spTree>
     <p:extLst>
       <p:ext uri="{BB962C8B-B14F-4D97-AF65-F5344CB8AC3E}">
@@ -16793,6 +17359,35 @@
           </a:p>
         </p:txBody>
       </p:sp>
+      <p:sp>
+        <p:nvSpPr>
+          <p:cNvPr id="4" name="Chỗ dành sẵn cho Số hiệu Bản chiếu 3">
+            <a:extLst>
+              <a:ext uri="{FF2B5EF4-FFF2-40B4-BE49-F238E27FC236}">
+                <a16:creationId xmlns:a16="http://schemas.microsoft.com/office/drawing/2014/main" id="{8126B30C-C9A1-4C5E-BB9E-8726864BB6FD}"/>
+              </a:ext>
+            </a:extLst>
+          </p:cNvPr>
+          <p:cNvSpPr>
+            <a:spLocks noGrp="1"/>
+          </p:cNvSpPr>
+          <p:nvPr>
+            <p:ph type="sldNum" sz="quarter" idx="12"/>
+          </p:nvPr>
+        </p:nvSpPr>
+        <p:spPr/>
+        <p:txBody>
+          <a:bodyPr/>
+          <a:lstStyle/>
+          <a:p>
+            <a:fld id="{480537A9-B8B1-481D-9BE4-179EB839AE15}" type="slidenum">
+              <a:rPr lang="vi-VN" smtClean="0"/>
+              <a:t>22</a:t>
+            </a:fld>
+            <a:endParaRPr lang="vi-VN"/>
+          </a:p>
+        </p:txBody>
+      </p:sp>
     </p:spTree>
     <p:extLst>
       <p:ext uri="{BB962C8B-B14F-4D97-AF65-F5344CB8AC3E}">
@@ -18798,6 +19393,35 @@
           </a:p>
         </p:txBody>
       </p:sp>
+      <p:sp>
+        <p:nvSpPr>
+          <p:cNvPr id="2" name="Chỗ dành sẵn cho Số hiệu Bản chiếu 1">
+            <a:extLst>
+              <a:ext uri="{FF2B5EF4-FFF2-40B4-BE49-F238E27FC236}">
+                <a16:creationId xmlns:a16="http://schemas.microsoft.com/office/drawing/2014/main" id="{F1D731B4-7FF0-4B96-A4D1-B29A473061E2}"/>
+              </a:ext>
+            </a:extLst>
+          </p:cNvPr>
+          <p:cNvSpPr>
+            <a:spLocks noGrp="1"/>
+          </p:cNvSpPr>
+          <p:nvPr>
+            <p:ph type="sldNum" sz="quarter" idx="12"/>
+          </p:nvPr>
+        </p:nvSpPr>
+        <p:spPr/>
+        <p:txBody>
+          <a:bodyPr/>
+          <a:lstStyle/>
+          <a:p>
+            <a:fld id="{480537A9-B8B1-481D-9BE4-179EB839AE15}" type="slidenum">
+              <a:rPr lang="vi-VN" smtClean="0"/>
+              <a:t>23</a:t>
+            </a:fld>
+            <a:endParaRPr lang="vi-VN"/>
+          </a:p>
+        </p:txBody>
+      </p:sp>
     </p:spTree>
     <p:extLst>
       <p:ext uri="{BB962C8B-B14F-4D97-AF65-F5344CB8AC3E}">
@@ -18903,6 +19527,35 @@
               <a:rPr lang="en-US"/>
               <a:t>Upload your results on the Github repository</a:t>
             </a:r>
+          </a:p>
+        </p:txBody>
+      </p:sp>
+      <p:sp>
+        <p:nvSpPr>
+          <p:cNvPr id="4" name="Chỗ dành sẵn cho Số hiệu Bản chiếu 3">
+            <a:extLst>
+              <a:ext uri="{FF2B5EF4-FFF2-40B4-BE49-F238E27FC236}">
+                <a16:creationId xmlns:a16="http://schemas.microsoft.com/office/drawing/2014/main" id="{04854460-934C-43A6-9F6D-AF6FD5534C81}"/>
+              </a:ext>
+            </a:extLst>
+          </p:cNvPr>
+          <p:cNvSpPr>
+            <a:spLocks noGrp="1"/>
+          </p:cNvSpPr>
+          <p:nvPr>
+            <p:ph type="sldNum" sz="quarter" idx="12"/>
+          </p:nvPr>
+        </p:nvSpPr>
+        <p:spPr/>
+        <p:txBody>
+          <a:bodyPr/>
+          <a:lstStyle/>
+          <a:p>
+            <a:fld id="{480537A9-B8B1-481D-9BE4-179EB839AE15}" type="slidenum">
+              <a:rPr lang="vi-VN" smtClean="0"/>
+              <a:t>24</a:t>
+            </a:fld>
+            <a:endParaRPr lang="vi-VN"/>
           </a:p>
         </p:txBody>
       </p:sp>
@@ -21552,57 +22205,35 @@
           </a:fontRef>
         </p:style>
       </p:cxnSp>
-      <mc:AlternateContent xmlns:mc="http://schemas.openxmlformats.org/markup-compatibility/2006">
-        <mc:Choice xmlns:p14="http://schemas.microsoft.com/office/powerpoint/2010/main" Requires="p14">
-          <p:contentPart p14:bwMode="auto" r:id="rId2">
-            <p14:nvContentPartPr>
-              <p14:cNvPr id="4" name="Viết tay 3">
-                <a:extLst>
-                  <a:ext uri="{FF2B5EF4-FFF2-40B4-BE49-F238E27FC236}">
-                    <a16:creationId xmlns:a16="http://schemas.microsoft.com/office/drawing/2014/main" id="{FF16DBC6-B6C5-4CDF-A64A-3933704772F6}"/>
-                  </a:ext>
-                </a:extLst>
-              </p14:cNvPr>
-              <p14:cNvContentPartPr/>
-              <p14:nvPr/>
-            </p14:nvContentPartPr>
-            <p14:xfrm>
-              <a:off x="6607080" y="1353960"/>
-              <a:ext cx="1380960" cy="1362960"/>
-            </p14:xfrm>
-          </p:contentPart>
-        </mc:Choice>
-        <mc:Fallback>
-          <p:pic>
-            <p:nvPicPr>
-              <p:cNvPr id="4" name="Viết tay 3">
-                <a:extLst>
-                  <a:ext uri="{FF2B5EF4-FFF2-40B4-BE49-F238E27FC236}">
-                    <a16:creationId xmlns:a16="http://schemas.microsoft.com/office/drawing/2014/main" id="{FF16DBC6-B6C5-4CDF-A64A-3933704772F6}"/>
-                  </a:ext>
-                </a:extLst>
-              </p:cNvPr>
-              <p:cNvPicPr/>
-              <p:nvPr/>
-            </p:nvPicPr>
-            <p:blipFill>
-              <a:blip r:embed="rId3"/>
-              <a:stretch>
-                <a:fillRect/>
-              </a:stretch>
-            </p:blipFill>
-            <p:spPr>
-              <a:xfrm>
-                <a:off x="6597720" y="1344600"/>
-                <a:ext cx="1399680" cy="1381680"/>
-              </a:xfrm>
-              <a:prstGeom prst="rect">
-                <a:avLst/>
-              </a:prstGeom>
-            </p:spPr>
-          </p:pic>
-        </mc:Fallback>
-      </mc:AlternateContent>
+      <p:sp>
+        <p:nvSpPr>
+          <p:cNvPr id="5" name="Chỗ dành sẵn cho Số hiệu Bản chiếu 4">
+            <a:extLst>
+              <a:ext uri="{FF2B5EF4-FFF2-40B4-BE49-F238E27FC236}">
+                <a16:creationId xmlns:a16="http://schemas.microsoft.com/office/drawing/2014/main" id="{691CB117-07D3-46C1-A103-A0A90744DD90}"/>
+              </a:ext>
+            </a:extLst>
+          </p:cNvPr>
+          <p:cNvSpPr>
+            <a:spLocks noGrp="1"/>
+          </p:cNvSpPr>
+          <p:nvPr>
+            <p:ph type="sldNum" sz="quarter" idx="12"/>
+          </p:nvPr>
+        </p:nvSpPr>
+        <p:spPr/>
+        <p:txBody>
+          <a:bodyPr/>
+          <a:lstStyle/>
+          <a:p>
+            <a:fld id="{480537A9-B8B1-481D-9BE4-179EB839AE15}" type="slidenum">
+              <a:rPr lang="vi-VN" smtClean="0"/>
+              <a:t>25</a:t>
+            </a:fld>
+            <a:endParaRPr lang="vi-VN"/>
+          </a:p>
+        </p:txBody>
+      </p:sp>
     </p:spTree>
     <p:extLst>
       <p:ext uri="{BB962C8B-B14F-4D97-AF65-F5344CB8AC3E}">
@@ -21723,6 +22354,35 @@
               <a:rPr lang="en-US"/>
               <a:t>Entity =&gt; Attribute =&gt; Method =&gt; Relationship</a:t>
             </a:r>
+          </a:p>
+        </p:txBody>
+      </p:sp>
+      <p:sp>
+        <p:nvSpPr>
+          <p:cNvPr id="4" name="Chỗ dành sẵn cho Số hiệu Bản chiếu 3">
+            <a:extLst>
+              <a:ext uri="{FF2B5EF4-FFF2-40B4-BE49-F238E27FC236}">
+                <a16:creationId xmlns:a16="http://schemas.microsoft.com/office/drawing/2014/main" id="{CFCEBAFE-9CA0-4E42-BD76-8A34227648ED}"/>
+              </a:ext>
+            </a:extLst>
+          </p:cNvPr>
+          <p:cNvSpPr>
+            <a:spLocks noGrp="1"/>
+          </p:cNvSpPr>
+          <p:nvPr>
+            <p:ph type="sldNum" sz="quarter" idx="12"/>
+          </p:nvPr>
+        </p:nvSpPr>
+        <p:spPr/>
+        <p:txBody>
+          <a:bodyPr/>
+          <a:lstStyle/>
+          <a:p>
+            <a:fld id="{480537A9-B8B1-481D-9BE4-179EB839AE15}" type="slidenum">
+              <a:rPr lang="vi-VN" smtClean="0"/>
+              <a:t>26</a:t>
+            </a:fld>
+            <a:endParaRPr lang="vi-VN"/>
           </a:p>
         </p:txBody>
       </p:sp>
@@ -23600,6 +24260,35 @@
           </a:fontRef>
         </p:style>
       </p:cxnSp>
+      <p:sp>
+        <p:nvSpPr>
+          <p:cNvPr id="6" name="Chỗ dành sẵn cho Số hiệu Bản chiếu 5">
+            <a:extLst>
+              <a:ext uri="{FF2B5EF4-FFF2-40B4-BE49-F238E27FC236}">
+                <a16:creationId xmlns:a16="http://schemas.microsoft.com/office/drawing/2014/main" id="{FDBEDC06-578F-45F1-8EE5-659388EF1314}"/>
+              </a:ext>
+            </a:extLst>
+          </p:cNvPr>
+          <p:cNvSpPr>
+            <a:spLocks noGrp="1"/>
+          </p:cNvSpPr>
+          <p:nvPr>
+            <p:ph type="sldNum" sz="quarter" idx="12"/>
+          </p:nvPr>
+        </p:nvSpPr>
+        <p:spPr/>
+        <p:txBody>
+          <a:bodyPr/>
+          <a:lstStyle/>
+          <a:p>
+            <a:fld id="{480537A9-B8B1-481D-9BE4-179EB839AE15}" type="slidenum">
+              <a:rPr lang="vi-VN" smtClean="0"/>
+              <a:t>27</a:t>
+            </a:fld>
+            <a:endParaRPr lang="vi-VN"/>
+          </a:p>
+        </p:txBody>
+      </p:sp>
     </p:spTree>
     <p:extLst>
       <p:ext uri="{BB962C8B-B14F-4D97-AF65-F5344CB8AC3E}">
@@ -23719,6 +24408,35 @@
           </a:p>
         </p:txBody>
       </p:sp>
+      <p:sp>
+        <p:nvSpPr>
+          <p:cNvPr id="4" name="Chỗ dành sẵn cho Số hiệu Bản chiếu 3">
+            <a:extLst>
+              <a:ext uri="{FF2B5EF4-FFF2-40B4-BE49-F238E27FC236}">
+                <a16:creationId xmlns:a16="http://schemas.microsoft.com/office/drawing/2014/main" id="{1EBB4C8E-33B2-4EAD-93D9-073669DDBD26}"/>
+              </a:ext>
+            </a:extLst>
+          </p:cNvPr>
+          <p:cNvSpPr>
+            <a:spLocks noGrp="1"/>
+          </p:cNvSpPr>
+          <p:nvPr>
+            <p:ph type="sldNum" sz="quarter" idx="12"/>
+          </p:nvPr>
+        </p:nvSpPr>
+        <p:spPr/>
+        <p:txBody>
+          <a:bodyPr/>
+          <a:lstStyle/>
+          <a:p>
+            <a:fld id="{480537A9-B8B1-481D-9BE4-179EB839AE15}" type="slidenum">
+              <a:rPr lang="vi-VN" smtClean="0"/>
+              <a:t>28</a:t>
+            </a:fld>
+            <a:endParaRPr lang="vi-VN"/>
+          </a:p>
+        </p:txBody>
+      </p:sp>
     </p:spTree>
     <p:extLst>
       <p:ext uri="{BB962C8B-B14F-4D97-AF65-F5344CB8AC3E}">
@@ -23816,22 +24534,13 @@
             <a:endParaRPr lang="en-US"/>
           </a:p>
           <a:p>
-            <a:pPr marL="0" indent="0">
-              <a:buNone/>
-            </a:pPr>
-            <a:r>
-              <a:rPr lang="en-US"/>
-              <a:t>Quản lý sách trong thư viện:</a:t>
-            </a:r>
-          </a:p>
-          <a:p>
             <a:pPr>
               <a:buFontTx/>
               <a:buChar char="-"/>
             </a:pPr>
             <a:r>
               <a:rPr lang="en-US"/>
-              <a:t>Sách</a:t>
+              <a:t>Book</a:t>
             </a:r>
           </a:p>
           <a:p>
@@ -23841,7 +24550,7 @@
             </a:pPr>
             <a:r>
               <a:rPr lang="en-US"/>
-              <a:t>Người đọc</a:t>
+              <a:t>Reader</a:t>
             </a:r>
           </a:p>
           <a:p>
@@ -23851,16 +24560,6 @@
             </a:pPr>
             <a:r>
               <a:rPr lang="en-US"/>
-              <a:t>Phiếu mượn đọc</a:t>
-            </a:r>
-          </a:p>
-          <a:p>
-            <a:pPr>
-              <a:buFontTx/>
-              <a:buChar char="-"/>
-            </a:pPr>
-            <a:r>
-              <a:rPr lang="en-US"/>
               <a:t>…</a:t>
             </a:r>
           </a:p>
@@ -23869,6 +24568,35 @@
               <a:buNone/>
             </a:pPr>
             <a:endParaRPr lang="en-US"/>
+          </a:p>
+        </p:txBody>
+      </p:sp>
+      <p:sp>
+        <p:nvSpPr>
+          <p:cNvPr id="4" name="Chỗ dành sẵn cho Số hiệu Bản chiếu 3">
+            <a:extLst>
+              <a:ext uri="{FF2B5EF4-FFF2-40B4-BE49-F238E27FC236}">
+                <a16:creationId xmlns:a16="http://schemas.microsoft.com/office/drawing/2014/main" id="{2B485C81-650D-4106-A195-1238C5480D8B}"/>
+              </a:ext>
+            </a:extLst>
+          </p:cNvPr>
+          <p:cNvSpPr>
+            <a:spLocks noGrp="1"/>
+          </p:cNvSpPr>
+          <p:nvPr>
+            <p:ph type="sldNum" sz="quarter" idx="12"/>
+          </p:nvPr>
+        </p:nvSpPr>
+        <p:spPr/>
+        <p:txBody>
+          <a:bodyPr/>
+          <a:lstStyle/>
+          <a:p>
+            <a:fld id="{480537A9-B8B1-481D-9BE4-179EB839AE15}" type="slidenum">
+              <a:rPr lang="vi-VN" smtClean="0"/>
+              <a:t>29</a:t>
+            </a:fld>
+            <a:endParaRPr lang="vi-VN"/>
           </a:p>
         </p:txBody>
       </p:sp>
@@ -24577,159 +25305,35 @@
           </a:p>
         </p:txBody>
       </p:sp>
-      <mc:AlternateContent xmlns:mc="http://schemas.openxmlformats.org/markup-compatibility/2006" xmlns:p14="http://schemas.microsoft.com/office/powerpoint/2010/main">
-        <mc:Choice Requires="p14">
-          <p:contentPart p14:bwMode="auto" r:id="rId2">
-            <p14:nvContentPartPr>
-              <p14:cNvPr id="12" name="Viết tay 11">
-                <a:extLst>
-                  <a:ext uri="{FF2B5EF4-FFF2-40B4-BE49-F238E27FC236}">
-                    <a16:creationId xmlns:a16="http://schemas.microsoft.com/office/drawing/2014/main" id="{0A1ECBE2-7C46-4BEC-8EC0-A95D35CA6B07}"/>
-                  </a:ext>
-                </a:extLst>
-              </p14:cNvPr>
-              <p14:cNvContentPartPr/>
-              <p14:nvPr/>
-            </p14:nvContentPartPr>
-            <p14:xfrm>
-              <a:off x="6209100" y="2983240"/>
-              <a:ext cx="1132200" cy="738720"/>
-            </p14:xfrm>
-          </p:contentPart>
-        </mc:Choice>
-        <mc:Fallback xmlns="">
-          <p:pic>
-            <p:nvPicPr>
-              <p:cNvPr id="12" name="Viết tay 11">
-                <a:extLst>
-                  <a:ext uri="{FF2B5EF4-FFF2-40B4-BE49-F238E27FC236}">
-                    <a16:creationId xmlns:a16="http://schemas.microsoft.com/office/drawing/2014/main" id="{0A1ECBE2-7C46-4BEC-8EC0-A95D35CA6B07}"/>
-                  </a:ext>
-                </a:extLst>
-              </p:cNvPr>
-              <p:cNvPicPr/>
-              <p:nvPr/>
-            </p:nvPicPr>
-            <p:blipFill>
-              <a:blip r:embed="rId3"/>
-              <a:stretch>
-                <a:fillRect/>
-              </a:stretch>
-            </p:blipFill>
-            <p:spPr>
-              <a:xfrm>
-                <a:off x="6191100" y="2965600"/>
-                <a:ext cx="1167840" cy="774360"/>
-              </a:xfrm>
-              <a:prstGeom prst="rect">
-                <a:avLst/>
-              </a:prstGeom>
-            </p:spPr>
-          </p:pic>
-        </mc:Fallback>
-      </mc:AlternateContent>
-      <mc:AlternateContent xmlns:mc="http://schemas.openxmlformats.org/markup-compatibility/2006" xmlns:p14="http://schemas.microsoft.com/office/powerpoint/2010/main">
-        <mc:Choice Requires="p14">
-          <p:contentPart p14:bwMode="auto" r:id="rId4">
-            <p14:nvContentPartPr>
-              <p14:cNvPr id="14" name="Viết tay 13">
-                <a:extLst>
-                  <a:ext uri="{FF2B5EF4-FFF2-40B4-BE49-F238E27FC236}">
-                    <a16:creationId xmlns:a16="http://schemas.microsoft.com/office/drawing/2014/main" id="{783AE4A3-AB1F-4E5C-9825-0936D7CB3865}"/>
-                  </a:ext>
-                </a:extLst>
-              </p14:cNvPr>
-              <p14:cNvContentPartPr/>
-              <p14:nvPr/>
-            </p14:nvContentPartPr>
-            <p14:xfrm>
-              <a:off x="6209100" y="4075480"/>
-              <a:ext cx="1132200" cy="828000"/>
-            </p14:xfrm>
-          </p:contentPart>
-        </mc:Choice>
-        <mc:Fallback xmlns="">
-          <p:pic>
-            <p:nvPicPr>
-              <p:cNvPr id="14" name="Viết tay 13">
-                <a:extLst>
-                  <a:ext uri="{FF2B5EF4-FFF2-40B4-BE49-F238E27FC236}">
-                    <a16:creationId xmlns:a16="http://schemas.microsoft.com/office/drawing/2014/main" id="{783AE4A3-AB1F-4E5C-9825-0936D7CB3865}"/>
-                  </a:ext>
-                </a:extLst>
-              </p:cNvPr>
-              <p:cNvPicPr/>
-              <p:nvPr/>
-            </p:nvPicPr>
-            <p:blipFill>
-              <a:blip r:embed="rId5"/>
-              <a:stretch>
-                <a:fillRect/>
-              </a:stretch>
-            </p:blipFill>
-            <p:spPr>
-              <a:xfrm>
-                <a:off x="6191460" y="4057480"/>
-                <a:ext cx="1167840" cy="863640"/>
-              </a:xfrm>
-              <a:prstGeom prst="rect">
-                <a:avLst/>
-              </a:prstGeom>
-            </p:spPr>
-          </p:pic>
-        </mc:Fallback>
-      </mc:AlternateContent>
-      <mc:AlternateContent xmlns:mc="http://schemas.openxmlformats.org/markup-compatibility/2006" xmlns:p14="http://schemas.microsoft.com/office/powerpoint/2010/main">
-        <mc:Choice Requires="p14">
-          <p:contentPart p14:bwMode="auto" r:id="rId6">
-            <p14:nvContentPartPr>
-              <p14:cNvPr id="15" name="Viết tay 14">
-                <a:extLst>
-                  <a:ext uri="{FF2B5EF4-FFF2-40B4-BE49-F238E27FC236}">
-                    <a16:creationId xmlns:a16="http://schemas.microsoft.com/office/drawing/2014/main" id="{4B49FB00-1748-4735-A8CD-49A3946468A0}"/>
-                  </a:ext>
-                </a:extLst>
-              </p14:cNvPr>
-              <p14:cNvContentPartPr/>
-              <p14:nvPr/>
-            </p14:nvContentPartPr>
-            <p14:xfrm>
-              <a:off x="7719300" y="2944360"/>
-              <a:ext cx="1099440" cy="929880"/>
-            </p14:xfrm>
-          </p:contentPart>
-        </mc:Choice>
-        <mc:Fallback xmlns="">
-          <p:pic>
-            <p:nvPicPr>
-              <p:cNvPr id="15" name="Viết tay 14">
-                <a:extLst>
-                  <a:ext uri="{FF2B5EF4-FFF2-40B4-BE49-F238E27FC236}">
-                    <a16:creationId xmlns:a16="http://schemas.microsoft.com/office/drawing/2014/main" id="{4B49FB00-1748-4735-A8CD-49A3946468A0}"/>
-                  </a:ext>
-                </a:extLst>
-              </p:cNvPr>
-              <p:cNvPicPr/>
-              <p:nvPr/>
-            </p:nvPicPr>
-            <p:blipFill>
-              <a:blip r:embed="rId7"/>
-              <a:stretch>
-                <a:fillRect/>
-              </a:stretch>
-            </p:blipFill>
-            <p:spPr>
-              <a:xfrm>
-                <a:off x="7701660" y="2926360"/>
-                <a:ext cx="1135080" cy="965520"/>
-              </a:xfrm>
-              <a:prstGeom prst="rect">
-                <a:avLst/>
-              </a:prstGeom>
-            </p:spPr>
-          </p:pic>
-        </mc:Fallback>
-      </mc:AlternateContent>
+      <p:sp>
+        <p:nvSpPr>
+          <p:cNvPr id="4" name="Chỗ dành sẵn cho Số hiệu Bản chiếu 3">
+            <a:extLst>
+              <a:ext uri="{FF2B5EF4-FFF2-40B4-BE49-F238E27FC236}">
+                <a16:creationId xmlns:a16="http://schemas.microsoft.com/office/drawing/2014/main" id="{12D1AF17-F656-4AF1-9439-8BC5DB63E265}"/>
+              </a:ext>
+            </a:extLst>
+          </p:cNvPr>
+          <p:cNvSpPr>
+            <a:spLocks noGrp="1"/>
+          </p:cNvSpPr>
+          <p:nvPr>
+            <p:ph type="sldNum" sz="quarter" idx="12"/>
+          </p:nvPr>
+        </p:nvSpPr>
+        <p:spPr/>
+        <p:txBody>
+          <a:bodyPr/>
+          <a:lstStyle/>
+          <a:p>
+            <a:fld id="{480537A9-B8B1-481D-9BE4-179EB839AE15}" type="slidenum">
+              <a:rPr lang="vi-VN" smtClean="0"/>
+              <a:t>3</a:t>
+            </a:fld>
+            <a:endParaRPr lang="vi-VN"/>
+          </a:p>
+        </p:txBody>
+      </p:sp>
     </p:spTree>
     <p:extLst>
       <p:ext uri="{BB962C8B-B14F-4D97-AF65-F5344CB8AC3E}">
@@ -24843,6 +25447,35 @@
           </a:p>
         </p:txBody>
       </p:sp>
+      <p:sp>
+        <p:nvSpPr>
+          <p:cNvPr id="4" name="Chỗ dành sẵn cho Số hiệu Bản chiếu 3">
+            <a:extLst>
+              <a:ext uri="{FF2B5EF4-FFF2-40B4-BE49-F238E27FC236}">
+                <a16:creationId xmlns:a16="http://schemas.microsoft.com/office/drawing/2014/main" id="{18F04665-3162-4231-96AC-969CFA29F8EB}"/>
+              </a:ext>
+            </a:extLst>
+          </p:cNvPr>
+          <p:cNvSpPr>
+            <a:spLocks noGrp="1"/>
+          </p:cNvSpPr>
+          <p:nvPr>
+            <p:ph type="sldNum" sz="quarter" idx="12"/>
+          </p:nvPr>
+        </p:nvSpPr>
+        <p:spPr/>
+        <p:txBody>
+          <a:bodyPr/>
+          <a:lstStyle/>
+          <a:p>
+            <a:fld id="{480537A9-B8B1-481D-9BE4-179EB839AE15}" type="slidenum">
+              <a:rPr lang="vi-VN" smtClean="0"/>
+              <a:t>30</a:t>
+            </a:fld>
+            <a:endParaRPr lang="vi-VN"/>
+          </a:p>
+        </p:txBody>
+      </p:sp>
     </p:spTree>
     <p:extLst>
       <p:ext uri="{BB962C8B-B14F-4D97-AF65-F5344CB8AC3E}">
@@ -24902,6 +25535,35 @@
           </a:p>
         </p:txBody>
       </p:sp>
+      <p:sp>
+        <p:nvSpPr>
+          <p:cNvPr id="3" name="Chỗ dành sẵn cho Số hiệu Bản chiếu 2">
+            <a:extLst>
+              <a:ext uri="{FF2B5EF4-FFF2-40B4-BE49-F238E27FC236}">
+                <a16:creationId xmlns:a16="http://schemas.microsoft.com/office/drawing/2014/main" id="{C9310D72-3E88-4E22-84D0-44D5AB1C5135}"/>
+              </a:ext>
+            </a:extLst>
+          </p:cNvPr>
+          <p:cNvSpPr>
+            <a:spLocks noGrp="1"/>
+          </p:cNvSpPr>
+          <p:nvPr>
+            <p:ph type="sldNum" sz="quarter" idx="12"/>
+          </p:nvPr>
+        </p:nvSpPr>
+        <p:spPr/>
+        <p:txBody>
+          <a:bodyPr/>
+          <a:lstStyle/>
+          <a:p>
+            <a:fld id="{480537A9-B8B1-481D-9BE4-179EB839AE15}" type="slidenum">
+              <a:rPr lang="vi-VN" smtClean="0"/>
+              <a:t>31</a:t>
+            </a:fld>
+            <a:endParaRPr lang="vi-VN"/>
+          </a:p>
+        </p:txBody>
+      </p:sp>
     </p:spTree>
     <p:extLst>
       <p:ext uri="{BB962C8B-B14F-4D97-AF65-F5344CB8AC3E}">
@@ -25109,6 +25771,35 @@
           </a:p>
         </p:txBody>
       </p:sp>
+      <p:sp>
+        <p:nvSpPr>
+          <p:cNvPr id="4" name="Chỗ dành sẵn cho Số hiệu Bản chiếu 3">
+            <a:extLst>
+              <a:ext uri="{FF2B5EF4-FFF2-40B4-BE49-F238E27FC236}">
+                <a16:creationId xmlns:a16="http://schemas.microsoft.com/office/drawing/2014/main" id="{F5E62544-816E-49C1-A54F-93C641D48011}"/>
+              </a:ext>
+            </a:extLst>
+          </p:cNvPr>
+          <p:cNvSpPr>
+            <a:spLocks noGrp="1"/>
+          </p:cNvSpPr>
+          <p:nvPr>
+            <p:ph type="sldNum" sz="quarter" idx="12"/>
+          </p:nvPr>
+        </p:nvSpPr>
+        <p:spPr/>
+        <p:txBody>
+          <a:bodyPr/>
+          <a:lstStyle/>
+          <a:p>
+            <a:fld id="{480537A9-B8B1-481D-9BE4-179EB839AE15}" type="slidenum">
+              <a:rPr lang="vi-VN" smtClean="0"/>
+              <a:t>4</a:t>
+            </a:fld>
+            <a:endParaRPr lang="vi-VN"/>
+          </a:p>
+        </p:txBody>
+      </p:sp>
     </p:spTree>
     <p:extLst>
       <p:ext uri="{BB962C8B-B14F-4D97-AF65-F5344CB8AC3E}">
@@ -25227,6 +25918,35 @@
           </a:p>
         </p:txBody>
       </p:sp>
+      <p:sp>
+        <p:nvSpPr>
+          <p:cNvPr id="4" name="Chỗ dành sẵn cho Số hiệu Bản chiếu 3">
+            <a:extLst>
+              <a:ext uri="{FF2B5EF4-FFF2-40B4-BE49-F238E27FC236}">
+                <a16:creationId xmlns:a16="http://schemas.microsoft.com/office/drawing/2014/main" id="{6F9E5B26-0471-4DED-A084-45B069D7B88C}"/>
+              </a:ext>
+            </a:extLst>
+          </p:cNvPr>
+          <p:cNvSpPr>
+            <a:spLocks noGrp="1"/>
+          </p:cNvSpPr>
+          <p:nvPr>
+            <p:ph type="sldNum" sz="quarter" idx="12"/>
+          </p:nvPr>
+        </p:nvSpPr>
+        <p:spPr/>
+        <p:txBody>
+          <a:bodyPr/>
+          <a:lstStyle/>
+          <a:p>
+            <a:fld id="{480537A9-B8B1-481D-9BE4-179EB839AE15}" type="slidenum">
+              <a:rPr lang="vi-VN" smtClean="0"/>
+              <a:t>5</a:t>
+            </a:fld>
+            <a:endParaRPr lang="vi-VN"/>
+          </a:p>
+        </p:txBody>
+      </p:sp>
     </p:spTree>
     <p:extLst>
       <p:ext uri="{BB962C8B-B14F-4D97-AF65-F5344CB8AC3E}">
@@ -25327,6 +26047,35 @@
           </a:p>
         </p:txBody>
       </p:sp>
+      <p:sp>
+        <p:nvSpPr>
+          <p:cNvPr id="4" name="Chỗ dành sẵn cho Số hiệu Bản chiếu 3">
+            <a:extLst>
+              <a:ext uri="{FF2B5EF4-FFF2-40B4-BE49-F238E27FC236}">
+                <a16:creationId xmlns:a16="http://schemas.microsoft.com/office/drawing/2014/main" id="{F7FDFBFF-AD44-4EA2-BE08-D3C59EDC6ED9}"/>
+              </a:ext>
+            </a:extLst>
+          </p:cNvPr>
+          <p:cNvSpPr>
+            <a:spLocks noGrp="1"/>
+          </p:cNvSpPr>
+          <p:nvPr>
+            <p:ph type="sldNum" sz="quarter" idx="12"/>
+          </p:nvPr>
+        </p:nvSpPr>
+        <p:spPr/>
+        <p:txBody>
+          <a:bodyPr/>
+          <a:lstStyle/>
+          <a:p>
+            <a:fld id="{480537A9-B8B1-481D-9BE4-179EB839AE15}" type="slidenum">
+              <a:rPr lang="vi-VN" smtClean="0"/>
+              <a:t>6</a:t>
+            </a:fld>
+            <a:endParaRPr lang="vi-VN"/>
+          </a:p>
+        </p:txBody>
+      </p:sp>
     </p:spTree>
     <p:extLst>
       <p:ext uri="{BB962C8B-B14F-4D97-AF65-F5344CB8AC3E}">
@@ -25762,6 +26511,35 @@
           </a:p>
         </p:txBody>
       </p:sp>
+      <p:sp>
+        <p:nvSpPr>
+          <p:cNvPr id="4" name="Chỗ dành sẵn cho Số hiệu Bản chiếu 3">
+            <a:extLst>
+              <a:ext uri="{FF2B5EF4-FFF2-40B4-BE49-F238E27FC236}">
+                <a16:creationId xmlns:a16="http://schemas.microsoft.com/office/drawing/2014/main" id="{C3FB83DD-BE11-451F-AE85-C4CA9C8282A9}"/>
+              </a:ext>
+            </a:extLst>
+          </p:cNvPr>
+          <p:cNvSpPr>
+            <a:spLocks noGrp="1"/>
+          </p:cNvSpPr>
+          <p:nvPr>
+            <p:ph type="sldNum" sz="quarter" idx="12"/>
+          </p:nvPr>
+        </p:nvSpPr>
+        <p:spPr/>
+        <p:txBody>
+          <a:bodyPr/>
+          <a:lstStyle/>
+          <a:p>
+            <a:fld id="{480537A9-B8B1-481D-9BE4-179EB839AE15}" type="slidenum">
+              <a:rPr lang="vi-VN" smtClean="0"/>
+              <a:t>7</a:t>
+            </a:fld>
+            <a:endParaRPr lang="vi-VN"/>
+          </a:p>
+        </p:txBody>
+      </p:sp>
     </p:spTree>
     <p:extLst>
       <p:ext uri="{BB962C8B-B14F-4D97-AF65-F5344CB8AC3E}">
@@ -25862,6 +26640,35 @@
           </a:p>
         </p:txBody>
       </p:sp>
+      <p:sp>
+        <p:nvSpPr>
+          <p:cNvPr id="4" name="Chỗ dành sẵn cho Số hiệu Bản chiếu 3">
+            <a:extLst>
+              <a:ext uri="{FF2B5EF4-FFF2-40B4-BE49-F238E27FC236}">
+                <a16:creationId xmlns:a16="http://schemas.microsoft.com/office/drawing/2014/main" id="{154D3A88-0CCB-4017-8F4C-A9E55CB51ADE}"/>
+              </a:ext>
+            </a:extLst>
+          </p:cNvPr>
+          <p:cNvSpPr>
+            <a:spLocks noGrp="1"/>
+          </p:cNvSpPr>
+          <p:nvPr>
+            <p:ph type="sldNum" sz="quarter" idx="12"/>
+          </p:nvPr>
+        </p:nvSpPr>
+        <p:spPr/>
+        <p:txBody>
+          <a:bodyPr/>
+          <a:lstStyle/>
+          <a:p>
+            <a:fld id="{480537A9-B8B1-481D-9BE4-179EB839AE15}" type="slidenum">
+              <a:rPr lang="vi-VN" smtClean="0"/>
+              <a:t>8</a:t>
+            </a:fld>
+            <a:endParaRPr lang="vi-VN"/>
+          </a:p>
+        </p:txBody>
+      </p:sp>
     </p:spTree>
     <p:extLst>
       <p:ext uri="{BB962C8B-B14F-4D97-AF65-F5344CB8AC3E}">
@@ -27330,6 +28137,35 @@
           </a:fontRef>
         </p:style>
       </p:cxnSp>
+      <p:sp>
+        <p:nvSpPr>
+          <p:cNvPr id="7" name="Chỗ dành sẵn cho Số hiệu Bản chiếu 6">
+            <a:extLst>
+              <a:ext uri="{FF2B5EF4-FFF2-40B4-BE49-F238E27FC236}">
+                <a16:creationId xmlns:a16="http://schemas.microsoft.com/office/drawing/2014/main" id="{021746D8-5AA9-42DA-A84F-C672991A7FC2}"/>
+              </a:ext>
+            </a:extLst>
+          </p:cNvPr>
+          <p:cNvSpPr>
+            <a:spLocks noGrp="1"/>
+          </p:cNvSpPr>
+          <p:nvPr>
+            <p:ph type="sldNum" sz="quarter" idx="12"/>
+          </p:nvPr>
+        </p:nvSpPr>
+        <p:spPr/>
+        <p:txBody>
+          <a:bodyPr/>
+          <a:lstStyle/>
+          <a:p>
+            <a:fld id="{480537A9-B8B1-481D-9BE4-179EB839AE15}" type="slidenum">
+              <a:rPr lang="vi-VN" smtClean="0"/>
+              <a:t>9</a:t>
+            </a:fld>
+            <a:endParaRPr lang="vi-VN"/>
+          </a:p>
+        </p:txBody>
+      </p:sp>
     </p:spTree>
     <p:extLst>
       <p:ext uri="{BB962C8B-B14F-4D97-AF65-F5344CB8AC3E}">
@@ -27636,4 +28472,299 @@
     </a:ext>
   </a:extLst>
 </a:theme>
+</file>
+
+<file path=ppt/theme/theme2.xml><?xml version="1.0" encoding="utf-8"?>
+<a:theme xmlns:a="http://schemas.openxmlformats.org/drawingml/2006/main" name="Chủ đề Office">
+  <a:themeElements>
+    <a:clrScheme name="Office">
+      <a:dk1>
+        <a:sysClr val="windowText" lastClr="000000"/>
+      </a:dk1>
+      <a:lt1>
+        <a:sysClr val="window" lastClr="FFFFFF"/>
+      </a:lt1>
+      <a:dk2>
+        <a:srgbClr val="44546A"/>
+      </a:dk2>
+      <a:lt2>
+        <a:srgbClr val="E7E6E6"/>
+      </a:lt2>
+      <a:accent1>
+        <a:srgbClr val="4472C4"/>
+      </a:accent1>
+      <a:accent2>
+        <a:srgbClr val="ED7D31"/>
+      </a:accent2>
+      <a:accent3>
+        <a:srgbClr val="A5A5A5"/>
+      </a:accent3>
+      <a:accent4>
+        <a:srgbClr val="FFC000"/>
+      </a:accent4>
+      <a:accent5>
+        <a:srgbClr val="5B9BD5"/>
+      </a:accent5>
+      <a:accent6>
+        <a:srgbClr val="70AD47"/>
+      </a:accent6>
+      <a:hlink>
+        <a:srgbClr val="0563C1"/>
+      </a:hlink>
+      <a:folHlink>
+        <a:srgbClr val="954F72"/>
+      </a:folHlink>
+    </a:clrScheme>
+    <a:fontScheme name="Office">
+      <a:majorFont>
+        <a:latin typeface="Calibri Light" panose="020F0302020204030204"/>
+        <a:ea typeface=""/>
+        <a:cs typeface=""/>
+        <a:font script="Jpan" typeface="游ゴシック Light"/>
+        <a:font script="Hang" typeface="맑은 고딕"/>
+        <a:font script="Hans" typeface="等线 Light"/>
+        <a:font script="Hant" typeface="新細明體"/>
+        <a:font script="Arab" typeface="Times New Roman"/>
+        <a:font script="Hebr" typeface="Times New Roman"/>
+        <a:font script="Thai" typeface="Angsana New"/>
+        <a:font script="Ethi" typeface="Nyala"/>
+        <a:font script="Beng" typeface="Vrinda"/>
+        <a:font script="Gujr" typeface="Shruti"/>
+        <a:font script="Khmr" typeface="MoolBoran"/>
+        <a:font script="Knda" typeface="Tunga"/>
+        <a:font script="Guru" typeface="Raavi"/>
+        <a:font script="Cans" typeface="Euphemia"/>
+        <a:font script="Cher" typeface="Plantagenet Cherokee"/>
+        <a:font script="Yiii" typeface="Microsoft Yi Baiti"/>
+        <a:font script="Tibt" typeface="Microsoft Himalaya"/>
+        <a:font script="Thaa" typeface="MV Boli"/>
+        <a:font script="Deva" typeface="Mangal"/>
+        <a:font script="Telu" typeface="Gautami"/>
+        <a:font script="Taml" typeface="Latha"/>
+        <a:font script="Syrc" typeface="Estrangelo Edessa"/>
+        <a:font script="Orya" typeface="Kalinga"/>
+        <a:font script="Mlym" typeface="Kartika"/>
+        <a:font script="Laoo" typeface="DokChampa"/>
+        <a:font script="Sinh" typeface="Iskoola Pota"/>
+        <a:font script="Mong" typeface="Mongolian Baiti"/>
+        <a:font script="Viet" typeface="Times New Roman"/>
+        <a:font script="Uigh" typeface="Microsoft Uighur"/>
+        <a:font script="Geor" typeface="Sylfaen"/>
+        <a:font script="Armn" typeface="Arial"/>
+        <a:font script="Bugi" typeface="Leelawadee UI"/>
+        <a:font script="Bopo" typeface="Microsoft JhengHei"/>
+        <a:font script="Java" typeface="Javanese Text"/>
+        <a:font script="Lisu" typeface="Segoe UI"/>
+        <a:font script="Mymr" typeface="Myanmar Text"/>
+        <a:font script="Nkoo" typeface="Ebrima"/>
+        <a:font script="Olck" typeface="Nirmala UI"/>
+        <a:font script="Osma" typeface="Ebrima"/>
+        <a:font script="Phag" typeface="Phagspa"/>
+        <a:font script="Syrn" typeface="Estrangelo Edessa"/>
+        <a:font script="Syrj" typeface="Estrangelo Edessa"/>
+        <a:font script="Syre" typeface="Estrangelo Edessa"/>
+        <a:font script="Sora" typeface="Nirmala UI"/>
+        <a:font script="Tale" typeface="Microsoft Tai Le"/>
+        <a:font script="Talu" typeface="Microsoft New Tai Lue"/>
+        <a:font script="Tfng" typeface="Ebrima"/>
+      </a:majorFont>
+      <a:minorFont>
+        <a:latin typeface="Calibri" panose="020F0502020204030204"/>
+        <a:ea typeface=""/>
+        <a:cs typeface=""/>
+        <a:font script="Jpan" typeface="游ゴシック"/>
+        <a:font script="Hang" typeface="맑은 고딕"/>
+        <a:font script="Hans" typeface="等线"/>
+        <a:font script="Hant" typeface="新細明體"/>
+        <a:font script="Arab" typeface="Arial"/>
+        <a:font script="Hebr" typeface="Arial"/>
+        <a:font script="Thai" typeface="Cordia New"/>
+        <a:font script="Ethi" typeface="Nyala"/>
+        <a:font script="Beng" typeface="Vrinda"/>
+        <a:font script="Gujr" typeface="Shruti"/>
+        <a:font script="Khmr" typeface="DaunPenh"/>
+        <a:font script="Knda" typeface="Tunga"/>
+        <a:font script="Guru" typeface="Raavi"/>
+        <a:font script="Cans" typeface="Euphemia"/>
+        <a:font script="Cher" typeface="Plantagenet Cherokee"/>
+        <a:font script="Yiii" typeface="Microsoft Yi Baiti"/>
+        <a:font script="Tibt" typeface="Microsoft Himalaya"/>
+        <a:font script="Thaa" typeface="MV Boli"/>
+        <a:font script="Deva" typeface="Mangal"/>
+        <a:font script="Telu" typeface="Gautami"/>
+        <a:font script="Taml" typeface="Latha"/>
+        <a:font script="Syrc" typeface="Estrangelo Edessa"/>
+        <a:font script="Orya" typeface="Kalinga"/>
+        <a:font script="Mlym" typeface="Kartika"/>
+        <a:font script="Laoo" typeface="DokChampa"/>
+        <a:font script="Sinh" typeface="Iskoola Pota"/>
+        <a:font script="Mong" typeface="Mongolian Baiti"/>
+        <a:font script="Viet" typeface="Arial"/>
+        <a:font script="Uigh" typeface="Microsoft Uighur"/>
+        <a:font script="Geor" typeface="Sylfaen"/>
+        <a:font script="Armn" typeface="Arial"/>
+        <a:font script="Bugi" typeface="Leelawadee UI"/>
+        <a:font script="Bopo" typeface="Microsoft JhengHei"/>
+        <a:font script="Java" typeface="Javanese Text"/>
+        <a:font script="Lisu" typeface="Segoe UI"/>
+        <a:font script="Mymr" typeface="Myanmar Text"/>
+        <a:font script="Nkoo" typeface="Ebrima"/>
+        <a:font script="Olck" typeface="Nirmala UI"/>
+        <a:font script="Osma" typeface="Ebrima"/>
+        <a:font script="Phag" typeface="Phagspa"/>
+        <a:font script="Syrn" typeface="Estrangelo Edessa"/>
+        <a:font script="Syrj" typeface="Estrangelo Edessa"/>
+        <a:font script="Syre" typeface="Estrangelo Edessa"/>
+        <a:font script="Sora" typeface="Nirmala UI"/>
+        <a:font script="Tale" typeface="Microsoft Tai Le"/>
+        <a:font script="Talu" typeface="Microsoft New Tai Lue"/>
+        <a:font script="Tfng" typeface="Ebrima"/>
+      </a:minorFont>
+    </a:fontScheme>
+    <a:fmtScheme name="Office">
+      <a:fillStyleLst>
+        <a:solidFill>
+          <a:schemeClr val="phClr"/>
+        </a:solidFill>
+        <a:gradFill rotWithShape="1">
+          <a:gsLst>
+            <a:gs pos="0">
+              <a:schemeClr val="phClr">
+                <a:lumMod val="110000"/>
+                <a:satMod val="105000"/>
+                <a:tint val="67000"/>
+              </a:schemeClr>
+            </a:gs>
+            <a:gs pos="50000">
+              <a:schemeClr val="phClr">
+                <a:lumMod val="105000"/>
+                <a:satMod val="103000"/>
+                <a:tint val="73000"/>
+              </a:schemeClr>
+            </a:gs>
+            <a:gs pos="100000">
+              <a:schemeClr val="phClr">
+                <a:lumMod val="105000"/>
+                <a:satMod val="109000"/>
+                <a:tint val="81000"/>
+              </a:schemeClr>
+            </a:gs>
+          </a:gsLst>
+          <a:lin ang="5400000" scaled="0"/>
+        </a:gradFill>
+        <a:gradFill rotWithShape="1">
+          <a:gsLst>
+            <a:gs pos="0">
+              <a:schemeClr val="phClr">
+                <a:satMod val="103000"/>
+                <a:lumMod val="102000"/>
+                <a:tint val="94000"/>
+              </a:schemeClr>
+            </a:gs>
+            <a:gs pos="50000">
+              <a:schemeClr val="phClr">
+                <a:satMod val="110000"/>
+                <a:lumMod val="100000"/>
+                <a:shade val="100000"/>
+              </a:schemeClr>
+            </a:gs>
+            <a:gs pos="100000">
+              <a:schemeClr val="phClr">
+                <a:lumMod val="99000"/>
+                <a:satMod val="120000"/>
+                <a:shade val="78000"/>
+              </a:schemeClr>
+            </a:gs>
+          </a:gsLst>
+          <a:lin ang="5400000" scaled="0"/>
+        </a:gradFill>
+      </a:fillStyleLst>
+      <a:lnStyleLst>
+        <a:ln w="6350" cap="flat" cmpd="sng" algn="ctr">
+          <a:solidFill>
+            <a:schemeClr val="phClr"/>
+          </a:solidFill>
+          <a:prstDash val="solid"/>
+          <a:miter lim="800000"/>
+        </a:ln>
+        <a:ln w="12700" cap="flat" cmpd="sng" algn="ctr">
+          <a:solidFill>
+            <a:schemeClr val="phClr"/>
+          </a:solidFill>
+          <a:prstDash val="solid"/>
+          <a:miter lim="800000"/>
+        </a:ln>
+        <a:ln w="19050" cap="flat" cmpd="sng" algn="ctr">
+          <a:solidFill>
+            <a:schemeClr val="phClr"/>
+          </a:solidFill>
+          <a:prstDash val="solid"/>
+          <a:miter lim="800000"/>
+        </a:ln>
+      </a:lnStyleLst>
+      <a:effectStyleLst>
+        <a:effectStyle>
+          <a:effectLst/>
+        </a:effectStyle>
+        <a:effectStyle>
+          <a:effectLst/>
+        </a:effectStyle>
+        <a:effectStyle>
+          <a:effectLst>
+            <a:outerShdw blurRad="57150" dist="19050" dir="5400000" algn="ctr" rotWithShape="0">
+              <a:srgbClr val="000000">
+                <a:alpha val="63000"/>
+              </a:srgbClr>
+            </a:outerShdw>
+          </a:effectLst>
+        </a:effectStyle>
+      </a:effectStyleLst>
+      <a:bgFillStyleLst>
+        <a:solidFill>
+          <a:schemeClr val="phClr"/>
+        </a:solidFill>
+        <a:solidFill>
+          <a:schemeClr val="phClr">
+            <a:tint val="95000"/>
+            <a:satMod val="170000"/>
+          </a:schemeClr>
+        </a:solidFill>
+        <a:gradFill rotWithShape="1">
+          <a:gsLst>
+            <a:gs pos="0">
+              <a:schemeClr val="phClr">
+                <a:tint val="93000"/>
+                <a:satMod val="150000"/>
+                <a:shade val="98000"/>
+                <a:lumMod val="102000"/>
+              </a:schemeClr>
+            </a:gs>
+            <a:gs pos="50000">
+              <a:schemeClr val="phClr">
+                <a:tint val="98000"/>
+                <a:satMod val="130000"/>
+                <a:shade val="90000"/>
+                <a:lumMod val="103000"/>
+              </a:schemeClr>
+            </a:gs>
+            <a:gs pos="100000">
+              <a:schemeClr val="phClr">
+                <a:shade val="63000"/>
+                <a:satMod val="120000"/>
+              </a:schemeClr>
+            </a:gs>
+          </a:gsLst>
+          <a:lin ang="5400000" scaled="0"/>
+        </a:gradFill>
+      </a:bgFillStyleLst>
+    </a:fmtScheme>
+  </a:themeElements>
+  <a:objectDefaults/>
+  <a:extraClrSchemeLst/>
+  <a:extLst>
+    <a:ext uri="{05A4C25C-085E-4340-85A3-A5531E510DB2}">
+      <thm15:themeFamily xmlns:thm15="http://schemas.microsoft.com/office/thememl/2012/main" name="Office Theme" id="{62F939B6-93AF-4DB8-9C6B-D6C7DFDC589F}" vid="{4A3C46E8-61CC-4603-A589-7422A47A8E4A}"/>
+    </a:ext>
+  </a:extLst>
+</a:theme>
 </file>